--- a/src/main/java/com/ac/day20190212/interfaceexample/接口标准结构分析.pptx
+++ b/src/main/java/com/ac/day20190212/interfaceexample/接口标准结构分析.pptx
@@ -6,6 +6,9 @@
   </p:sldMasterIdLst>
   <p:sldIdLst>
     <p:sldId id="256" r:id="rId2"/>
+    <p:sldId id="257" r:id="rId3"/>
+    <p:sldId id="258" r:id="rId4"/>
+    <p:sldId id="259" r:id="rId5"/>
   </p:sldIdLst>
   <p:sldSz cx="12192000" cy="6858000"/>
   <p:notesSz cx="6858000" cy="9144000"/>
@@ -104,6 +107,11 @@
       </a:defRPr>
     </a:lvl9pPr>
   </p:defaultTextStyle>
+  <p:extLst>
+    <p:ext uri="{EFAFB233-063F-42B5-8137-9DF3F51BA10A}">
+      <p15:sldGuideLst xmlns:p15="http://schemas.microsoft.com/office/powerpoint/2012/main"/>
+    </p:ext>
+  </p:extLst>
 </p:presentation>
 </file>
 
@@ -254,7 +262,7 @@
           <a:p>
             <a:fld id="{8EFAD526-FDB9-46BC-83A8-CD6DFC0F7FFF}" type="datetimeFigureOut">
               <a:rPr lang="zh-CN" altLang="en-US" smtClean="0"/>
-              <a:t>2019/2/12</a:t>
+              <a:t>2019/2/14</a:t>
             </a:fld>
             <a:endParaRPr lang="zh-CN" altLang="en-US"/>
           </a:p>
@@ -452,7 +460,7 @@
           <a:p>
             <a:fld id="{8EFAD526-FDB9-46BC-83A8-CD6DFC0F7FFF}" type="datetimeFigureOut">
               <a:rPr lang="zh-CN" altLang="en-US" smtClean="0"/>
-              <a:t>2019/2/12</a:t>
+              <a:t>2019/2/14</a:t>
             </a:fld>
             <a:endParaRPr lang="zh-CN" altLang="en-US"/>
           </a:p>
@@ -660,7 +668,7 @@
           <a:p>
             <a:fld id="{8EFAD526-FDB9-46BC-83A8-CD6DFC0F7FFF}" type="datetimeFigureOut">
               <a:rPr lang="zh-CN" altLang="en-US" smtClean="0"/>
-              <a:t>2019/2/12</a:t>
+              <a:t>2019/2/14</a:t>
             </a:fld>
             <a:endParaRPr lang="zh-CN" altLang="en-US"/>
           </a:p>
@@ -858,7 +866,7 @@
           <a:p>
             <a:fld id="{8EFAD526-FDB9-46BC-83A8-CD6DFC0F7FFF}" type="datetimeFigureOut">
               <a:rPr lang="zh-CN" altLang="en-US" smtClean="0"/>
-              <a:t>2019/2/12</a:t>
+              <a:t>2019/2/14</a:t>
             </a:fld>
             <a:endParaRPr lang="zh-CN" altLang="en-US"/>
           </a:p>
@@ -1133,7 +1141,7 @@
           <a:p>
             <a:fld id="{8EFAD526-FDB9-46BC-83A8-CD6DFC0F7FFF}" type="datetimeFigureOut">
               <a:rPr lang="zh-CN" altLang="en-US" smtClean="0"/>
-              <a:t>2019/2/12</a:t>
+              <a:t>2019/2/14</a:t>
             </a:fld>
             <a:endParaRPr lang="zh-CN" altLang="en-US"/>
           </a:p>
@@ -1398,7 +1406,7 @@
           <a:p>
             <a:fld id="{8EFAD526-FDB9-46BC-83A8-CD6DFC0F7FFF}" type="datetimeFigureOut">
               <a:rPr lang="zh-CN" altLang="en-US" smtClean="0"/>
-              <a:t>2019/2/12</a:t>
+              <a:t>2019/2/14</a:t>
             </a:fld>
             <a:endParaRPr lang="zh-CN" altLang="en-US"/>
           </a:p>
@@ -1810,7 +1818,7 @@
           <a:p>
             <a:fld id="{8EFAD526-FDB9-46BC-83A8-CD6DFC0F7FFF}" type="datetimeFigureOut">
               <a:rPr lang="zh-CN" altLang="en-US" smtClean="0"/>
-              <a:t>2019/2/12</a:t>
+              <a:t>2019/2/14</a:t>
             </a:fld>
             <a:endParaRPr lang="zh-CN" altLang="en-US"/>
           </a:p>
@@ -1951,7 +1959,7 @@
           <a:p>
             <a:fld id="{8EFAD526-FDB9-46BC-83A8-CD6DFC0F7FFF}" type="datetimeFigureOut">
               <a:rPr lang="zh-CN" altLang="en-US" smtClean="0"/>
-              <a:t>2019/2/12</a:t>
+              <a:t>2019/2/14</a:t>
             </a:fld>
             <a:endParaRPr lang="zh-CN" altLang="en-US"/>
           </a:p>
@@ -2064,7 +2072,7 @@
           <a:p>
             <a:fld id="{8EFAD526-FDB9-46BC-83A8-CD6DFC0F7FFF}" type="datetimeFigureOut">
               <a:rPr lang="zh-CN" altLang="en-US" smtClean="0"/>
-              <a:t>2019/2/12</a:t>
+              <a:t>2019/2/14</a:t>
             </a:fld>
             <a:endParaRPr lang="zh-CN" altLang="en-US"/>
           </a:p>
@@ -2375,7 +2383,7 @@
           <a:p>
             <a:fld id="{8EFAD526-FDB9-46BC-83A8-CD6DFC0F7FFF}" type="datetimeFigureOut">
               <a:rPr lang="zh-CN" altLang="en-US" smtClean="0"/>
-              <a:t>2019/2/12</a:t>
+              <a:t>2019/2/14</a:t>
             </a:fld>
             <a:endParaRPr lang="zh-CN" altLang="en-US"/>
           </a:p>
@@ -2663,7 +2671,7 @@
           <a:p>
             <a:fld id="{8EFAD526-FDB9-46BC-83A8-CD6DFC0F7FFF}" type="datetimeFigureOut">
               <a:rPr lang="zh-CN" altLang="en-US" smtClean="0"/>
-              <a:t>2019/2/12</a:t>
+              <a:t>2019/2/14</a:t>
             </a:fld>
             <a:endParaRPr lang="zh-CN" altLang="en-US"/>
           </a:p>
@@ -2904,7 +2912,7 @@
           <a:p>
             <a:fld id="{8EFAD526-FDB9-46BC-83A8-CD6DFC0F7FFF}" type="datetimeFigureOut">
               <a:rPr lang="zh-CN" altLang="en-US" smtClean="0"/>
-              <a:t>2019/2/12</a:t>
+              <a:t>2019/2/14</a:t>
             </a:fld>
             <a:endParaRPr lang="zh-CN" altLang="en-US"/>
           </a:p>
@@ -3321,9 +3329,219 @@
           <a:chExt cx="0" cy="0"/>
         </a:xfrm>
       </p:grpSpPr>
+      <p:sp>
+        <p:nvSpPr>
+          <p:cNvPr id="6" name="圆角矩形 5"/>
+          <p:cNvSpPr/>
+          <p:nvPr/>
+        </p:nvSpPr>
+        <p:spPr>
+          <a:xfrm>
+            <a:off x="5315989" y="1853738"/>
+            <a:ext cx="2119746" cy="673331"/>
+          </a:xfrm>
+          <a:prstGeom prst="roundRect">
+            <a:avLst/>
+          </a:prstGeom>
+        </p:spPr>
+        <p:style>
+          <a:lnRef idx="0">
+            <a:schemeClr val="accent2"/>
+          </a:lnRef>
+          <a:fillRef idx="3">
+            <a:schemeClr val="accent2"/>
+          </a:fillRef>
+          <a:effectRef idx="3">
+            <a:schemeClr val="accent2"/>
+          </a:effectRef>
+          <a:fontRef idx="minor">
+            <a:schemeClr val="lt1"/>
+          </a:fontRef>
+        </p:style>
+        <p:txBody>
+          <a:bodyPr rtlCol="0" anchor="ctr"/>
+          <a:lstStyle/>
+          <a:p>
+            <a:pPr algn="ctr"/>
+            <a:r>
+              <a:rPr lang="en-US" altLang="zh-CN" dirty="0" smtClean="0"/>
+              <a:t>USB</a:t>
+            </a:r>
+            <a:r>
+              <a:rPr lang="zh-CN" altLang="en-US" dirty="0" smtClean="0"/>
+              <a:t>接口</a:t>
+            </a:r>
+            <a:endParaRPr lang="en-US" altLang="zh-CN" dirty="0" smtClean="0"/>
+          </a:p>
+          <a:p>
+            <a:pPr algn="ctr"/>
+            <a:r>
+              <a:rPr lang="en-US" altLang="zh-CN" dirty="0" smtClean="0"/>
+              <a:t>&lt;Interface&gt;</a:t>
+            </a:r>
+            <a:endParaRPr lang="zh-CN" altLang="en-US" dirty="0"/>
+          </a:p>
+        </p:txBody>
+      </p:sp>
+      <p:sp>
+        <p:nvSpPr>
+          <p:cNvPr id="8" name="圆角矩形 7"/>
+          <p:cNvSpPr/>
+          <p:nvPr/>
+        </p:nvSpPr>
+        <p:spPr>
+          <a:xfrm>
+            <a:off x="5315989" y="2527070"/>
+            <a:ext cx="2119746" cy="382386"/>
+          </a:xfrm>
+          <a:prstGeom prst="roundRect">
+            <a:avLst/>
+          </a:prstGeom>
+        </p:spPr>
+        <p:style>
+          <a:lnRef idx="2">
+            <a:schemeClr val="accent1"/>
+          </a:lnRef>
+          <a:fillRef idx="1">
+            <a:schemeClr val="lt1"/>
+          </a:fillRef>
+          <a:effectRef idx="0">
+            <a:schemeClr val="accent1"/>
+          </a:effectRef>
+          <a:fontRef idx="minor">
+            <a:schemeClr val="dk1"/>
+          </a:fontRef>
+        </p:style>
+        <p:txBody>
+          <a:bodyPr rtlCol="0" anchor="ctr"/>
+          <a:lstStyle/>
+          <a:p>
+            <a:pPr algn="ctr"/>
+            <a:endParaRPr lang="zh-CN" altLang="en-US"/>
+          </a:p>
+        </p:txBody>
+      </p:sp>
+      <p:sp>
+        <p:nvSpPr>
+          <p:cNvPr id="10" name="圆角矩形 9"/>
+          <p:cNvSpPr/>
+          <p:nvPr/>
+        </p:nvSpPr>
+        <p:spPr>
+          <a:xfrm>
+            <a:off x="5315989" y="2909456"/>
+            <a:ext cx="2119746" cy="357447"/>
+          </a:xfrm>
+          <a:prstGeom prst="roundRect">
+            <a:avLst/>
+          </a:prstGeom>
+        </p:spPr>
+        <p:style>
+          <a:lnRef idx="2">
+            <a:schemeClr val="accent1"/>
+          </a:lnRef>
+          <a:fillRef idx="1">
+            <a:schemeClr val="lt1"/>
+          </a:fillRef>
+          <a:effectRef idx="0">
+            <a:schemeClr val="accent1"/>
+          </a:effectRef>
+          <a:fontRef idx="minor">
+            <a:schemeClr val="dk1"/>
+          </a:fontRef>
+        </p:style>
+        <p:txBody>
+          <a:bodyPr rtlCol="0" anchor="ctr"/>
+          <a:lstStyle/>
+          <a:p>
+            <a:pPr algn="ctr"/>
+            <a:endParaRPr lang="zh-CN" altLang="en-US"/>
+          </a:p>
+        </p:txBody>
+      </p:sp>
+      <p:sp>
+        <p:nvSpPr>
+          <p:cNvPr id="12" name="燕尾形箭头 11"/>
+          <p:cNvSpPr/>
+          <p:nvPr/>
+        </p:nvSpPr>
+        <p:spPr>
+          <a:xfrm>
+            <a:off x="4347557" y="2456410"/>
+            <a:ext cx="577735" cy="315885"/>
+          </a:xfrm>
+          <a:prstGeom prst="notchedRightArrow">
+            <a:avLst/>
+          </a:prstGeom>
+        </p:spPr>
+        <p:style>
+          <a:lnRef idx="2">
+            <a:schemeClr val="accent1">
+              <a:shade val="50000"/>
+            </a:schemeClr>
+          </a:lnRef>
+          <a:fillRef idx="1">
+            <a:schemeClr val="accent1"/>
+          </a:fillRef>
+          <a:effectRef idx="0">
+            <a:schemeClr val="accent1"/>
+          </a:effectRef>
+          <a:fontRef idx="minor">
+            <a:schemeClr val="lt1"/>
+          </a:fontRef>
+        </p:style>
+        <p:txBody>
+          <a:bodyPr rtlCol="0" anchor="ctr"/>
+          <a:lstStyle/>
+          <a:p>
+            <a:pPr algn="ctr"/>
+            <a:endParaRPr lang="zh-CN" altLang="en-US"/>
+          </a:p>
+        </p:txBody>
+      </p:sp>
+      <p:sp>
+        <p:nvSpPr>
+          <p:cNvPr id="13" name="燕尾形箭头 12"/>
+          <p:cNvSpPr/>
+          <p:nvPr/>
+        </p:nvSpPr>
+        <p:spPr>
+          <a:xfrm rot="10800000">
+            <a:off x="7988532" y="2456409"/>
+            <a:ext cx="577735" cy="315885"/>
+          </a:xfrm>
+          <a:prstGeom prst="notchedRightArrow">
+            <a:avLst/>
+          </a:prstGeom>
+        </p:spPr>
+        <p:style>
+          <a:lnRef idx="2">
+            <a:schemeClr val="accent1">
+              <a:shade val="50000"/>
+            </a:schemeClr>
+          </a:lnRef>
+          <a:fillRef idx="1">
+            <a:schemeClr val="accent1"/>
+          </a:fillRef>
+          <a:effectRef idx="0">
+            <a:schemeClr val="accent1"/>
+          </a:effectRef>
+          <a:fontRef idx="minor">
+            <a:schemeClr val="lt1"/>
+          </a:fontRef>
+        </p:style>
+        <p:txBody>
+          <a:bodyPr rtlCol="0" anchor="ctr"/>
+          <a:lstStyle/>
+          <a:p>
+            <a:pPr algn="ctr"/>
+            <a:endParaRPr lang="zh-CN" altLang="en-US"/>
+          </a:p>
+        </p:txBody>
+      </p:sp>
       <p:pic>
         <p:nvPicPr>
-          <p:cNvPr id="5" name="图形 4" descr="电脑">
+          <p:cNvPr id="14" name="图形 4" descr="电脑">
             <a:extLst>
               <a:ext uri="{FF2B5EF4-FFF2-40B4-BE49-F238E27FC236}">
                 <a16:creationId xmlns:a16="http://schemas.microsoft.com/office/drawing/2014/main" id="{53EB2E1F-1881-44F9-94C8-5D45E50DDFDF}"/>
@@ -3342,7 +3560,7 @@
                 <a14:useLocalDpi xmlns:a14="http://schemas.microsoft.com/office/drawing/2010/main" val="0"/>
               </a:ext>
               <a:ext uri="{96DAC541-7B7A-43D3-8B79-37D633B846F1}">
-                <asvg:svgBlip xmlns:asvg="http://schemas.microsoft.com/office/drawing/2016/SVG/main" r:embed="rId3"/>
+                <asvg:svgBlip xmlns:asvg="http://schemas.microsoft.com/office/drawing/2016/SVG/main" xmlns="" r:embed="rId3"/>
               </a:ext>
             </a:extLst>
           </a:blip>
@@ -3352,7 +3570,7 @@
         </p:blipFill>
         <p:spPr>
           <a:xfrm>
-            <a:off x="1283368" y="2007695"/>
+            <a:off x="1407723" y="1475681"/>
             <a:ext cx="2277158" cy="2277158"/>
           </a:xfrm>
           <a:prstGeom prst="rect">
@@ -3362,10 +3580,10 @@
       </p:pic>
       <p:pic>
         <p:nvPicPr>
-          <p:cNvPr id="7" name="图形 6" descr="USB">
+          <p:cNvPr id="15" name="图形 10" descr="插头">
             <a:extLst>
               <a:ext uri="{FF2B5EF4-FFF2-40B4-BE49-F238E27FC236}">
-                <a16:creationId xmlns:a16="http://schemas.microsoft.com/office/drawing/2014/main" id="{CA4F584C-F140-4CF1-B575-60D5BC17DC1B}"/>
+                <a16:creationId xmlns:a16="http://schemas.microsoft.com/office/drawing/2014/main" id="{5FA8C108-05B6-4E4C-8FC6-5B89A68861CA}"/>
               </a:ext>
             </a:extLst>
           </p:cNvPr>
@@ -3375,13 +3593,13 @@
           <p:nvPr/>
         </p:nvPicPr>
         <p:blipFill>
-          <a:blip r:embed="rId4">
+          <a:blip r:embed="rId4" cstate="hqprint">
             <a:extLst>
               <a:ext uri="{28A0092B-C50C-407E-A947-70E740481C1C}">
                 <a14:useLocalDpi xmlns:a14="http://schemas.microsoft.com/office/drawing/2010/main" val="0"/>
               </a:ext>
               <a:ext uri="{96DAC541-7B7A-43D3-8B79-37D633B846F1}">
-                <asvg:svgBlip xmlns:asvg="http://schemas.microsoft.com/office/drawing/2016/SVG/main" r:embed="rId5"/>
+                <asvg:svgBlip xmlns:asvg="http://schemas.microsoft.com/office/drawing/2016/SVG/main" xmlns="" r:embed="rId9"/>
               </a:ext>
             </a:extLst>
           </a:blip>
@@ -3391,7 +3609,7 @@
         </p:blipFill>
         <p:spPr>
           <a:xfrm>
-            <a:off x="4320949" y="2689074"/>
+            <a:off x="9414164" y="1562797"/>
             <a:ext cx="914400" cy="914400"/>
           </a:xfrm>
           <a:prstGeom prst="rect">
@@ -3401,7 +3619,7 @@
       </p:pic>
       <p:pic>
         <p:nvPicPr>
-          <p:cNvPr id="9" name="图形 8" descr="打字机">
+          <p:cNvPr id="16" name="图形 8" descr="打字机">
             <a:extLst>
               <a:ext uri="{FF2B5EF4-FFF2-40B4-BE49-F238E27FC236}">
                 <a16:creationId xmlns:a16="http://schemas.microsoft.com/office/drawing/2014/main" id="{BC367C65-B2DE-436E-B276-DA57997E39C0}"/>
@@ -3414,13 +3632,13 @@
           <p:nvPr/>
         </p:nvPicPr>
         <p:blipFill>
-          <a:blip r:embed="rId6">
+          <a:blip r:embed="rId10" cstate="hqprint">
             <a:extLst>
               <a:ext uri="{28A0092B-C50C-407E-A947-70E740481C1C}">
                 <a14:useLocalDpi xmlns:a14="http://schemas.microsoft.com/office/drawing/2010/main" val="0"/>
               </a:ext>
               <a:ext uri="{96DAC541-7B7A-43D3-8B79-37D633B846F1}">
-                <asvg:svgBlip xmlns:asvg="http://schemas.microsoft.com/office/drawing/2016/SVG/main" r:embed="rId7"/>
+                <asvg:svgBlip xmlns:asvg="http://schemas.microsoft.com/office/drawing/2016/SVG/main" xmlns="" r:embed="rId7"/>
               </a:ext>
             </a:extLst>
           </a:blip>
@@ -3430,7 +3648,7 @@
         </p:blipFill>
         <p:spPr>
           <a:xfrm>
-            <a:off x="6389559" y="3370453"/>
+            <a:off x="9414164" y="2692973"/>
             <a:ext cx="914400" cy="914400"/>
           </a:xfrm>
           <a:prstGeom prst="rect">
@@ -3440,10 +3658,10 @@
       </p:pic>
       <p:pic>
         <p:nvPicPr>
-          <p:cNvPr id="11" name="图形 10" descr="插头">
+          <p:cNvPr id="17" name="图形 6" descr="USB">
             <a:extLst>
               <a:ext uri="{FF2B5EF4-FFF2-40B4-BE49-F238E27FC236}">
-                <a16:creationId xmlns:a16="http://schemas.microsoft.com/office/drawing/2014/main" id="{5FA8C108-05B6-4E4C-8FC6-5B89A68861CA}"/>
+                <a16:creationId xmlns:a16="http://schemas.microsoft.com/office/drawing/2014/main" id="{CA4F584C-F140-4CF1-B575-60D5BC17DC1B}"/>
               </a:ext>
             </a:extLst>
           </p:cNvPr>
@@ -3453,13 +3671,13 @@
           <p:nvPr/>
         </p:nvPicPr>
         <p:blipFill>
-          <a:blip r:embed="rId8">
+          <a:blip r:embed="rId11" cstate="hqprint">
             <a:extLst>
               <a:ext uri="{28A0092B-C50C-407E-A947-70E740481C1C}">
                 <a14:useLocalDpi xmlns:a14="http://schemas.microsoft.com/office/drawing/2010/main" val="0"/>
               </a:ext>
               <a:ext uri="{96DAC541-7B7A-43D3-8B79-37D633B846F1}">
-                <asvg:svgBlip xmlns:asvg="http://schemas.microsoft.com/office/drawing/2016/SVG/main" r:embed="rId9"/>
+                <asvg:svgBlip xmlns:asvg="http://schemas.microsoft.com/office/drawing/2016/SVG/main" xmlns="" r:embed="rId5"/>
               </a:ext>
             </a:extLst>
           </a:blip>
@@ -3469,7 +3687,46 @@
         </p:blipFill>
         <p:spPr>
           <a:xfrm>
-            <a:off x="6389559" y="2007695"/>
+            <a:off x="4179224" y="1562797"/>
+            <a:ext cx="914400" cy="914400"/>
+          </a:xfrm>
+          <a:prstGeom prst="rect">
+            <a:avLst/>
+          </a:prstGeom>
+        </p:spPr>
+      </p:pic>
+      <p:pic>
+        <p:nvPicPr>
+          <p:cNvPr id="18" name="图形 6" descr="USB">
+            <a:extLst>
+              <a:ext uri="{FF2B5EF4-FFF2-40B4-BE49-F238E27FC236}">
+                <a16:creationId xmlns:a16="http://schemas.microsoft.com/office/drawing/2014/main" id="{CA4F584C-F140-4CF1-B575-60D5BC17DC1B}"/>
+              </a:ext>
+            </a:extLst>
+          </p:cNvPr>
+          <p:cNvPicPr>
+            <a:picLocks noChangeAspect="1"/>
+          </p:cNvPicPr>
+          <p:nvPr/>
+        </p:nvPicPr>
+        <p:blipFill>
+          <a:blip r:embed="rId11" cstate="hqprint">
+            <a:extLst>
+              <a:ext uri="{28A0092B-C50C-407E-A947-70E740481C1C}">
+                <a14:useLocalDpi xmlns:a14="http://schemas.microsoft.com/office/drawing/2010/main" val="0"/>
+              </a:ext>
+              <a:ext uri="{96DAC541-7B7A-43D3-8B79-37D633B846F1}">
+                <asvg:svgBlip xmlns:asvg="http://schemas.microsoft.com/office/drawing/2016/SVG/main" xmlns="" r:embed="rId5"/>
+              </a:ext>
+            </a:extLst>
+          </a:blip>
+          <a:stretch>
+            <a:fillRect/>
+          </a:stretch>
+        </p:blipFill>
+        <p:spPr>
+          <a:xfrm>
+            <a:off x="7826432" y="1562797"/>
             <a:ext cx="914400" cy="914400"/>
           </a:xfrm>
           <a:prstGeom prst="rect">
@@ -3481,6 +3738,2992 @@
     <p:extLst>
       <p:ext uri="{BB962C8B-B14F-4D97-AF65-F5344CB8AC3E}">
         <p14:creationId xmlns:p14="http://schemas.microsoft.com/office/powerpoint/2010/main" val="1346685581"/>
+      </p:ext>
+    </p:extLst>
+  </p:cSld>
+  <p:clrMapOvr>
+    <a:masterClrMapping/>
+  </p:clrMapOvr>
+</p:sld>
+</file>
+
+<file path=ppt/slides/slide2.xml><?xml version="1.0" encoding="utf-8"?>
+<p:sld xmlns:a="http://schemas.openxmlformats.org/drawingml/2006/main" xmlns:r="http://schemas.openxmlformats.org/officeDocument/2006/relationships" xmlns:p="http://schemas.openxmlformats.org/presentationml/2006/main">
+  <p:cSld>
+    <p:spTree>
+      <p:nvGrpSpPr>
+        <p:cNvPr id="1" name=""/>
+        <p:cNvGrpSpPr/>
+        <p:nvPr/>
+      </p:nvGrpSpPr>
+      <p:grpSpPr>
+        <a:xfrm>
+          <a:off x="0" y="0"/>
+          <a:ext cx="0" cy="0"/>
+          <a:chOff x="0" y="0"/>
+          <a:chExt cx="0" cy="0"/>
+        </a:xfrm>
+      </p:grpSpPr>
+      <p:sp>
+        <p:nvSpPr>
+          <p:cNvPr id="4" name="圆角矩形 3"/>
+          <p:cNvSpPr/>
+          <p:nvPr/>
+        </p:nvSpPr>
+        <p:spPr>
+          <a:xfrm>
+            <a:off x="5390804" y="2502131"/>
+            <a:ext cx="2119746" cy="673331"/>
+          </a:xfrm>
+          <a:prstGeom prst="roundRect">
+            <a:avLst/>
+          </a:prstGeom>
+        </p:spPr>
+        <p:style>
+          <a:lnRef idx="0">
+            <a:schemeClr val="accent2"/>
+          </a:lnRef>
+          <a:fillRef idx="3">
+            <a:schemeClr val="accent2"/>
+          </a:fillRef>
+          <a:effectRef idx="3">
+            <a:schemeClr val="accent2"/>
+          </a:effectRef>
+          <a:fontRef idx="minor">
+            <a:schemeClr val="lt1"/>
+          </a:fontRef>
+        </p:style>
+        <p:txBody>
+          <a:bodyPr rtlCol="0" anchor="ctr"/>
+          <a:lstStyle/>
+          <a:p>
+            <a:pPr algn="ctr"/>
+            <a:r>
+              <a:rPr lang="zh-CN" altLang="en-US" dirty="0" smtClean="0"/>
+              <a:t>英语</a:t>
+            </a:r>
+            <a:endParaRPr lang="en-US" altLang="zh-CN" dirty="0" smtClean="0"/>
+          </a:p>
+          <a:p>
+            <a:pPr algn="ctr"/>
+            <a:r>
+              <a:rPr lang="en-US" altLang="zh-CN" dirty="0" smtClean="0"/>
+              <a:t>&lt;Interface&gt;</a:t>
+            </a:r>
+            <a:endParaRPr lang="zh-CN" altLang="en-US" dirty="0"/>
+          </a:p>
+        </p:txBody>
+      </p:sp>
+      <p:sp>
+        <p:nvSpPr>
+          <p:cNvPr id="5" name="圆角矩形 4"/>
+          <p:cNvSpPr/>
+          <p:nvPr/>
+        </p:nvSpPr>
+        <p:spPr>
+          <a:xfrm>
+            <a:off x="5390804" y="3175463"/>
+            <a:ext cx="2119746" cy="382386"/>
+          </a:xfrm>
+          <a:prstGeom prst="roundRect">
+            <a:avLst/>
+          </a:prstGeom>
+        </p:spPr>
+        <p:style>
+          <a:lnRef idx="2">
+            <a:schemeClr val="accent1"/>
+          </a:lnRef>
+          <a:fillRef idx="1">
+            <a:schemeClr val="lt1"/>
+          </a:fillRef>
+          <a:effectRef idx="0">
+            <a:schemeClr val="accent1"/>
+          </a:effectRef>
+          <a:fontRef idx="minor">
+            <a:schemeClr val="dk1"/>
+          </a:fontRef>
+        </p:style>
+        <p:txBody>
+          <a:bodyPr rtlCol="0" anchor="ctr"/>
+          <a:lstStyle/>
+          <a:p>
+            <a:pPr algn="ctr"/>
+            <a:endParaRPr lang="zh-CN" altLang="en-US"/>
+          </a:p>
+        </p:txBody>
+      </p:sp>
+      <p:sp>
+        <p:nvSpPr>
+          <p:cNvPr id="6" name="圆角矩形 5"/>
+          <p:cNvSpPr/>
+          <p:nvPr/>
+        </p:nvSpPr>
+        <p:spPr>
+          <a:xfrm>
+            <a:off x="5390804" y="3557849"/>
+            <a:ext cx="2119746" cy="357447"/>
+          </a:xfrm>
+          <a:prstGeom prst="roundRect">
+            <a:avLst/>
+          </a:prstGeom>
+        </p:spPr>
+        <p:style>
+          <a:lnRef idx="2">
+            <a:schemeClr val="accent1"/>
+          </a:lnRef>
+          <a:fillRef idx="1">
+            <a:schemeClr val="lt1"/>
+          </a:fillRef>
+          <a:effectRef idx="0">
+            <a:schemeClr val="accent1"/>
+          </a:effectRef>
+          <a:fontRef idx="minor">
+            <a:schemeClr val="dk1"/>
+          </a:fontRef>
+        </p:style>
+        <p:txBody>
+          <a:bodyPr rtlCol="0" anchor="ctr"/>
+          <a:lstStyle/>
+          <a:p>
+            <a:pPr algn="ctr"/>
+            <a:endParaRPr lang="zh-CN" altLang="en-US"/>
+          </a:p>
+        </p:txBody>
+      </p:sp>
+      <p:sp>
+        <p:nvSpPr>
+          <p:cNvPr id="7" name="笑脸 6"/>
+          <p:cNvSpPr/>
+          <p:nvPr/>
+        </p:nvSpPr>
+        <p:spPr>
+          <a:xfrm>
+            <a:off x="2734888" y="2693324"/>
+            <a:ext cx="1105593" cy="1064029"/>
+          </a:xfrm>
+          <a:prstGeom prst="smileyFace">
+            <a:avLst/>
+          </a:prstGeom>
+        </p:spPr>
+        <p:style>
+          <a:lnRef idx="2">
+            <a:schemeClr val="accent1">
+              <a:shade val="50000"/>
+            </a:schemeClr>
+          </a:lnRef>
+          <a:fillRef idx="1">
+            <a:schemeClr val="accent1"/>
+          </a:fillRef>
+          <a:effectRef idx="0">
+            <a:schemeClr val="accent1"/>
+          </a:effectRef>
+          <a:fontRef idx="minor">
+            <a:schemeClr val="lt1"/>
+          </a:fontRef>
+        </p:style>
+        <p:txBody>
+          <a:bodyPr rtlCol="0" anchor="ctr"/>
+          <a:lstStyle/>
+          <a:p>
+            <a:pPr algn="ctr"/>
+            <a:endParaRPr lang="zh-CN" altLang="en-US"/>
+          </a:p>
+        </p:txBody>
+      </p:sp>
+      <p:sp>
+        <p:nvSpPr>
+          <p:cNvPr id="8" name="笑脸 7"/>
+          <p:cNvSpPr/>
+          <p:nvPr/>
+        </p:nvSpPr>
+        <p:spPr>
+          <a:xfrm>
+            <a:off x="9110749" y="2693324"/>
+            <a:ext cx="1105593" cy="1064029"/>
+          </a:xfrm>
+          <a:prstGeom prst="smileyFace">
+            <a:avLst/>
+          </a:prstGeom>
+        </p:spPr>
+        <p:style>
+          <a:lnRef idx="2">
+            <a:schemeClr val="accent2">
+              <a:shade val="50000"/>
+            </a:schemeClr>
+          </a:lnRef>
+          <a:fillRef idx="1">
+            <a:schemeClr val="accent2"/>
+          </a:fillRef>
+          <a:effectRef idx="0">
+            <a:schemeClr val="accent2"/>
+          </a:effectRef>
+          <a:fontRef idx="minor">
+            <a:schemeClr val="lt1"/>
+          </a:fontRef>
+        </p:style>
+        <p:txBody>
+          <a:bodyPr rtlCol="0" anchor="ctr"/>
+          <a:lstStyle/>
+          <a:p>
+            <a:pPr algn="ctr"/>
+            <a:endParaRPr lang="zh-CN" altLang="en-US"/>
+          </a:p>
+        </p:txBody>
+      </p:sp>
+      <p:sp>
+        <p:nvSpPr>
+          <p:cNvPr id="9" name="燕尾形箭头 8"/>
+          <p:cNvSpPr/>
+          <p:nvPr/>
+        </p:nvSpPr>
+        <p:spPr>
+          <a:xfrm>
+            <a:off x="4301837" y="3017519"/>
+            <a:ext cx="577735" cy="315885"/>
+          </a:xfrm>
+          <a:prstGeom prst="notchedRightArrow">
+            <a:avLst/>
+          </a:prstGeom>
+        </p:spPr>
+        <p:style>
+          <a:lnRef idx="2">
+            <a:schemeClr val="accent1">
+              <a:shade val="50000"/>
+            </a:schemeClr>
+          </a:lnRef>
+          <a:fillRef idx="1">
+            <a:schemeClr val="accent1"/>
+          </a:fillRef>
+          <a:effectRef idx="0">
+            <a:schemeClr val="accent1"/>
+          </a:effectRef>
+          <a:fontRef idx="minor">
+            <a:schemeClr val="lt1"/>
+          </a:fontRef>
+        </p:style>
+        <p:txBody>
+          <a:bodyPr rtlCol="0" anchor="ctr"/>
+          <a:lstStyle/>
+          <a:p>
+            <a:pPr algn="ctr"/>
+            <a:endParaRPr lang="zh-CN" altLang="en-US"/>
+          </a:p>
+        </p:txBody>
+      </p:sp>
+      <p:sp>
+        <p:nvSpPr>
+          <p:cNvPr id="10" name="燕尾形箭头 9"/>
+          <p:cNvSpPr/>
+          <p:nvPr/>
+        </p:nvSpPr>
+        <p:spPr>
+          <a:xfrm rot="10800000">
+            <a:off x="8167255" y="3017518"/>
+            <a:ext cx="577735" cy="315885"/>
+          </a:xfrm>
+          <a:prstGeom prst="notchedRightArrow">
+            <a:avLst/>
+          </a:prstGeom>
+        </p:spPr>
+        <p:style>
+          <a:lnRef idx="2">
+            <a:schemeClr val="accent1">
+              <a:shade val="50000"/>
+            </a:schemeClr>
+          </a:lnRef>
+          <a:fillRef idx="1">
+            <a:schemeClr val="accent1"/>
+          </a:fillRef>
+          <a:effectRef idx="0">
+            <a:schemeClr val="accent1"/>
+          </a:effectRef>
+          <a:fontRef idx="minor">
+            <a:schemeClr val="lt1"/>
+          </a:fontRef>
+        </p:style>
+        <p:txBody>
+          <a:bodyPr rtlCol="0" anchor="ctr"/>
+          <a:lstStyle/>
+          <a:p>
+            <a:pPr algn="ctr"/>
+            <a:endParaRPr lang="zh-CN" altLang="en-US"/>
+          </a:p>
+        </p:txBody>
+      </p:sp>
+      <p:sp>
+        <p:nvSpPr>
+          <p:cNvPr id="11" name="文本框 10"/>
+          <p:cNvSpPr txBox="1"/>
+          <p:nvPr/>
+        </p:nvSpPr>
+        <p:spPr>
+          <a:xfrm>
+            <a:off x="2818015" y="3998422"/>
+            <a:ext cx="877163" cy="369332"/>
+          </a:xfrm>
+          <a:prstGeom prst="rect">
+            <a:avLst/>
+          </a:prstGeom>
+          <a:noFill/>
+        </p:spPr>
+        <p:txBody>
+          <a:bodyPr wrap="none" rtlCol="0">
+            <a:spAutoFit/>
+          </a:bodyPr>
+          <a:lstStyle/>
+          <a:p>
+            <a:r>
+              <a:rPr lang="zh-CN" altLang="en-US" dirty="0" smtClean="0"/>
+              <a:t>欧洲人</a:t>
+            </a:r>
+            <a:endParaRPr lang="zh-CN" altLang="en-US" dirty="0"/>
+          </a:p>
+        </p:txBody>
+      </p:sp>
+      <p:sp>
+        <p:nvSpPr>
+          <p:cNvPr id="12" name="文本框 11"/>
+          <p:cNvSpPr txBox="1"/>
+          <p:nvPr/>
+        </p:nvSpPr>
+        <p:spPr>
+          <a:xfrm>
+            <a:off x="9224963" y="3998422"/>
+            <a:ext cx="883575" cy="369332"/>
+          </a:xfrm>
+          <a:prstGeom prst="rect">
+            <a:avLst/>
+          </a:prstGeom>
+          <a:noFill/>
+        </p:spPr>
+        <p:txBody>
+          <a:bodyPr wrap="none" rtlCol="0">
+            <a:spAutoFit/>
+          </a:bodyPr>
+          <a:lstStyle/>
+          <a:p>
+            <a:r>
+              <a:rPr lang="zh-CN" altLang="en-US" dirty="0"/>
+              <a:t>非</a:t>
+            </a:r>
+            <a:r>
+              <a:rPr lang="zh-CN" altLang="en-US" dirty="0" smtClean="0"/>
+              <a:t>洲人</a:t>
+            </a:r>
+            <a:endParaRPr lang="zh-CN" altLang="en-US" dirty="0"/>
+          </a:p>
+        </p:txBody>
+      </p:sp>
+    </p:spTree>
+    <p:extLst>
+      <p:ext uri="{BB962C8B-B14F-4D97-AF65-F5344CB8AC3E}">
+        <p14:creationId xmlns:p14="http://schemas.microsoft.com/office/powerpoint/2010/main" val="2420131749"/>
+      </p:ext>
+    </p:extLst>
+  </p:cSld>
+  <p:clrMapOvr>
+    <a:masterClrMapping/>
+  </p:clrMapOvr>
+</p:sld>
+</file>
+
+<file path=ppt/slides/slide3.xml><?xml version="1.0" encoding="utf-8"?>
+<p:sld xmlns:a="http://schemas.openxmlformats.org/drawingml/2006/main" xmlns:r="http://schemas.openxmlformats.org/officeDocument/2006/relationships" xmlns:p="http://schemas.openxmlformats.org/presentationml/2006/main">
+  <p:cSld>
+    <p:spTree>
+      <p:nvGrpSpPr>
+        <p:cNvPr id="1" name=""/>
+        <p:cNvGrpSpPr/>
+        <p:nvPr/>
+      </p:nvGrpSpPr>
+      <p:grpSpPr>
+        <a:xfrm>
+          <a:off x="0" y="0"/>
+          <a:ext cx="0" cy="0"/>
+          <a:chOff x="0" y="0"/>
+          <a:chExt cx="0" cy="0"/>
+        </a:xfrm>
+      </p:grpSpPr>
+      <p:sp>
+        <p:nvSpPr>
+          <p:cNvPr id="4" name="圆角矩形 3"/>
+          <p:cNvSpPr/>
+          <p:nvPr/>
+        </p:nvSpPr>
+        <p:spPr>
+          <a:xfrm>
+            <a:off x="6795655" y="1005840"/>
+            <a:ext cx="2119746" cy="673331"/>
+          </a:xfrm>
+          <a:prstGeom prst="roundRect">
+            <a:avLst/>
+          </a:prstGeom>
+        </p:spPr>
+        <p:style>
+          <a:lnRef idx="0">
+            <a:schemeClr val="accent2"/>
+          </a:lnRef>
+          <a:fillRef idx="3">
+            <a:schemeClr val="accent2"/>
+          </a:fillRef>
+          <a:effectRef idx="3">
+            <a:schemeClr val="accent2"/>
+          </a:effectRef>
+          <a:fontRef idx="minor">
+            <a:schemeClr val="lt1"/>
+          </a:fontRef>
+        </p:style>
+        <p:txBody>
+          <a:bodyPr rtlCol="0" anchor="ctr"/>
+          <a:lstStyle/>
+          <a:p>
+            <a:pPr algn="ctr"/>
+            <a:r>
+              <a:rPr lang="zh-CN" altLang="en-US" dirty="0" smtClean="0"/>
+              <a:t>核心主题</a:t>
+            </a:r>
+            <a:endParaRPr lang="en-US" altLang="zh-CN" dirty="0" smtClean="0"/>
+          </a:p>
+          <a:p>
+            <a:pPr algn="ctr"/>
+            <a:r>
+              <a:rPr lang="en-US" altLang="zh-CN" dirty="0" smtClean="0"/>
+              <a:t>&lt;Interface&gt;</a:t>
+            </a:r>
+            <a:endParaRPr lang="zh-CN" altLang="en-US" dirty="0"/>
+          </a:p>
+        </p:txBody>
+      </p:sp>
+      <p:sp>
+        <p:nvSpPr>
+          <p:cNvPr id="5" name="圆角矩形 4"/>
+          <p:cNvSpPr/>
+          <p:nvPr/>
+        </p:nvSpPr>
+        <p:spPr>
+          <a:xfrm>
+            <a:off x="6795655" y="1679172"/>
+            <a:ext cx="2119746" cy="382386"/>
+          </a:xfrm>
+          <a:prstGeom prst="roundRect">
+            <a:avLst/>
+          </a:prstGeom>
+        </p:spPr>
+        <p:style>
+          <a:lnRef idx="2">
+            <a:schemeClr val="accent1"/>
+          </a:lnRef>
+          <a:fillRef idx="1">
+            <a:schemeClr val="lt1"/>
+          </a:fillRef>
+          <a:effectRef idx="0">
+            <a:schemeClr val="accent1"/>
+          </a:effectRef>
+          <a:fontRef idx="minor">
+            <a:schemeClr val="dk1"/>
+          </a:fontRef>
+        </p:style>
+        <p:txBody>
+          <a:bodyPr rtlCol="0" anchor="ctr"/>
+          <a:lstStyle/>
+          <a:p>
+            <a:pPr algn="ctr"/>
+            <a:endParaRPr lang="zh-CN" altLang="en-US"/>
+          </a:p>
+        </p:txBody>
+      </p:sp>
+      <p:sp>
+        <p:nvSpPr>
+          <p:cNvPr id="6" name="圆角矩形 5"/>
+          <p:cNvSpPr/>
+          <p:nvPr/>
+        </p:nvSpPr>
+        <p:spPr>
+          <a:xfrm>
+            <a:off x="6795655" y="2061558"/>
+            <a:ext cx="2119746" cy="357447"/>
+          </a:xfrm>
+          <a:prstGeom prst="roundRect">
+            <a:avLst/>
+          </a:prstGeom>
+        </p:spPr>
+        <p:style>
+          <a:lnRef idx="2">
+            <a:schemeClr val="accent1"/>
+          </a:lnRef>
+          <a:fillRef idx="1">
+            <a:schemeClr val="lt1"/>
+          </a:fillRef>
+          <a:effectRef idx="0">
+            <a:schemeClr val="accent1"/>
+          </a:effectRef>
+          <a:fontRef idx="minor">
+            <a:schemeClr val="dk1"/>
+          </a:fontRef>
+        </p:style>
+        <p:txBody>
+          <a:bodyPr rtlCol="0" anchor="ctr"/>
+          <a:lstStyle/>
+          <a:p>
+            <a:pPr algn="ctr"/>
+            <a:endParaRPr lang="zh-CN" altLang="en-US"/>
+          </a:p>
+        </p:txBody>
+      </p:sp>
+      <p:sp>
+        <p:nvSpPr>
+          <p:cNvPr id="7" name="圆角矩形 6"/>
+          <p:cNvSpPr/>
+          <p:nvPr/>
+        </p:nvSpPr>
+        <p:spPr>
+          <a:xfrm>
+            <a:off x="3861260" y="3857104"/>
+            <a:ext cx="2119746" cy="673331"/>
+          </a:xfrm>
+          <a:prstGeom prst="roundRect">
+            <a:avLst/>
+          </a:prstGeom>
+        </p:spPr>
+        <p:style>
+          <a:lnRef idx="0">
+            <a:schemeClr val="accent2"/>
+          </a:lnRef>
+          <a:fillRef idx="3">
+            <a:schemeClr val="accent2"/>
+          </a:fillRef>
+          <a:effectRef idx="3">
+            <a:schemeClr val="accent2"/>
+          </a:effectRef>
+          <a:fontRef idx="minor">
+            <a:schemeClr val="lt1"/>
+          </a:fontRef>
+        </p:style>
+        <p:txBody>
+          <a:bodyPr rtlCol="0" anchor="ctr"/>
+          <a:lstStyle/>
+          <a:p>
+            <a:pPr algn="ctr"/>
+            <a:r>
+              <a:rPr lang="zh-CN" altLang="en-US" dirty="0"/>
+              <a:t>代理</a:t>
+            </a:r>
+            <a:r>
+              <a:rPr lang="zh-CN" altLang="en-US" dirty="0" smtClean="0"/>
+              <a:t>主题实现</a:t>
+            </a:r>
+            <a:endParaRPr lang="en-US" altLang="zh-CN" dirty="0" smtClean="0"/>
+          </a:p>
+        </p:txBody>
+      </p:sp>
+      <p:sp>
+        <p:nvSpPr>
+          <p:cNvPr id="8" name="圆角矩形 7"/>
+          <p:cNvSpPr/>
+          <p:nvPr/>
+        </p:nvSpPr>
+        <p:spPr>
+          <a:xfrm>
+            <a:off x="3861260" y="4530436"/>
+            <a:ext cx="2119746" cy="382386"/>
+          </a:xfrm>
+          <a:prstGeom prst="roundRect">
+            <a:avLst/>
+          </a:prstGeom>
+        </p:spPr>
+        <p:style>
+          <a:lnRef idx="2">
+            <a:schemeClr val="accent1"/>
+          </a:lnRef>
+          <a:fillRef idx="1">
+            <a:schemeClr val="lt1"/>
+          </a:fillRef>
+          <a:effectRef idx="0">
+            <a:schemeClr val="accent1"/>
+          </a:effectRef>
+          <a:fontRef idx="minor">
+            <a:schemeClr val="dk1"/>
+          </a:fontRef>
+        </p:style>
+        <p:txBody>
+          <a:bodyPr rtlCol="0" anchor="ctr"/>
+          <a:lstStyle/>
+          <a:p>
+            <a:pPr algn="ctr"/>
+            <a:endParaRPr lang="zh-CN" altLang="en-US"/>
+          </a:p>
+        </p:txBody>
+      </p:sp>
+      <p:sp>
+        <p:nvSpPr>
+          <p:cNvPr id="9" name="圆角矩形 8"/>
+          <p:cNvSpPr/>
+          <p:nvPr/>
+        </p:nvSpPr>
+        <p:spPr>
+          <a:xfrm>
+            <a:off x="3861260" y="4912822"/>
+            <a:ext cx="2119746" cy="357447"/>
+          </a:xfrm>
+          <a:prstGeom prst="roundRect">
+            <a:avLst/>
+          </a:prstGeom>
+        </p:spPr>
+        <p:style>
+          <a:lnRef idx="2">
+            <a:schemeClr val="accent1"/>
+          </a:lnRef>
+          <a:fillRef idx="1">
+            <a:schemeClr val="lt1"/>
+          </a:fillRef>
+          <a:effectRef idx="0">
+            <a:schemeClr val="accent1"/>
+          </a:effectRef>
+          <a:fontRef idx="minor">
+            <a:schemeClr val="dk1"/>
+          </a:fontRef>
+        </p:style>
+        <p:txBody>
+          <a:bodyPr rtlCol="0" anchor="ctr"/>
+          <a:lstStyle/>
+          <a:p>
+            <a:pPr algn="ctr"/>
+            <a:endParaRPr lang="zh-CN" altLang="en-US"/>
+          </a:p>
+        </p:txBody>
+      </p:sp>
+      <p:sp>
+        <p:nvSpPr>
+          <p:cNvPr id="10" name="圆角矩形 9"/>
+          <p:cNvSpPr/>
+          <p:nvPr/>
+        </p:nvSpPr>
+        <p:spPr>
+          <a:xfrm>
+            <a:off x="9962804" y="3857104"/>
+            <a:ext cx="2119746" cy="673331"/>
+          </a:xfrm>
+          <a:prstGeom prst="roundRect">
+            <a:avLst/>
+          </a:prstGeom>
+        </p:spPr>
+        <p:style>
+          <a:lnRef idx="0">
+            <a:schemeClr val="accent2"/>
+          </a:lnRef>
+          <a:fillRef idx="3">
+            <a:schemeClr val="accent2"/>
+          </a:fillRef>
+          <a:effectRef idx="3">
+            <a:schemeClr val="accent2"/>
+          </a:effectRef>
+          <a:fontRef idx="minor">
+            <a:schemeClr val="lt1"/>
+          </a:fontRef>
+        </p:style>
+        <p:txBody>
+          <a:bodyPr rtlCol="0" anchor="ctr"/>
+          <a:lstStyle/>
+          <a:p>
+            <a:pPr algn="ctr"/>
+            <a:r>
+              <a:rPr lang="zh-CN" altLang="en-US" dirty="0"/>
+              <a:t>真实</a:t>
+            </a:r>
+            <a:r>
+              <a:rPr lang="zh-CN" altLang="en-US" dirty="0" smtClean="0"/>
+              <a:t>主题实现</a:t>
+            </a:r>
+            <a:endParaRPr lang="en-US" altLang="zh-CN" dirty="0" smtClean="0"/>
+          </a:p>
+        </p:txBody>
+      </p:sp>
+      <p:sp>
+        <p:nvSpPr>
+          <p:cNvPr id="11" name="圆角矩形 10"/>
+          <p:cNvSpPr/>
+          <p:nvPr/>
+        </p:nvSpPr>
+        <p:spPr>
+          <a:xfrm>
+            <a:off x="9962804" y="4530436"/>
+            <a:ext cx="2119746" cy="382386"/>
+          </a:xfrm>
+          <a:prstGeom prst="roundRect">
+            <a:avLst/>
+          </a:prstGeom>
+        </p:spPr>
+        <p:style>
+          <a:lnRef idx="2">
+            <a:schemeClr val="accent1"/>
+          </a:lnRef>
+          <a:fillRef idx="1">
+            <a:schemeClr val="lt1"/>
+          </a:fillRef>
+          <a:effectRef idx="0">
+            <a:schemeClr val="accent1"/>
+          </a:effectRef>
+          <a:fontRef idx="minor">
+            <a:schemeClr val="dk1"/>
+          </a:fontRef>
+        </p:style>
+        <p:txBody>
+          <a:bodyPr rtlCol="0" anchor="ctr"/>
+          <a:lstStyle/>
+          <a:p>
+            <a:pPr algn="ctr"/>
+            <a:endParaRPr lang="zh-CN" altLang="en-US"/>
+          </a:p>
+        </p:txBody>
+      </p:sp>
+      <p:sp>
+        <p:nvSpPr>
+          <p:cNvPr id="12" name="圆角矩形 11"/>
+          <p:cNvSpPr/>
+          <p:nvPr/>
+        </p:nvSpPr>
+        <p:spPr>
+          <a:xfrm>
+            <a:off x="9962804" y="4912822"/>
+            <a:ext cx="2119746" cy="357447"/>
+          </a:xfrm>
+          <a:prstGeom prst="roundRect">
+            <a:avLst/>
+          </a:prstGeom>
+        </p:spPr>
+        <p:style>
+          <a:lnRef idx="2">
+            <a:schemeClr val="accent1"/>
+          </a:lnRef>
+          <a:fillRef idx="1">
+            <a:schemeClr val="lt1"/>
+          </a:fillRef>
+          <a:effectRef idx="0">
+            <a:schemeClr val="accent1"/>
+          </a:effectRef>
+          <a:fontRef idx="minor">
+            <a:schemeClr val="dk1"/>
+          </a:fontRef>
+        </p:style>
+        <p:txBody>
+          <a:bodyPr rtlCol="0" anchor="ctr"/>
+          <a:lstStyle/>
+          <a:p>
+            <a:pPr algn="ctr"/>
+            <a:endParaRPr lang="zh-CN" altLang="en-US"/>
+          </a:p>
+        </p:txBody>
+      </p:sp>
+      <p:sp>
+        <p:nvSpPr>
+          <p:cNvPr id="13" name="流程图: 摘录 12"/>
+          <p:cNvSpPr/>
+          <p:nvPr/>
+        </p:nvSpPr>
+        <p:spPr>
+          <a:xfrm>
+            <a:off x="6966065" y="2443944"/>
+            <a:ext cx="224444" cy="191191"/>
+          </a:xfrm>
+          <a:prstGeom prst="flowChartExtract">
+            <a:avLst/>
+          </a:prstGeom>
+        </p:spPr>
+        <p:style>
+          <a:lnRef idx="2">
+            <a:schemeClr val="accent1">
+              <a:shade val="50000"/>
+            </a:schemeClr>
+          </a:lnRef>
+          <a:fillRef idx="1">
+            <a:schemeClr val="accent1"/>
+          </a:fillRef>
+          <a:effectRef idx="0">
+            <a:schemeClr val="accent1"/>
+          </a:effectRef>
+          <a:fontRef idx="minor">
+            <a:schemeClr val="lt1"/>
+          </a:fontRef>
+        </p:style>
+        <p:txBody>
+          <a:bodyPr rtlCol="0" anchor="ctr"/>
+          <a:lstStyle/>
+          <a:p>
+            <a:pPr algn="ctr"/>
+            <a:endParaRPr lang="zh-CN" altLang="en-US"/>
+          </a:p>
+        </p:txBody>
+      </p:sp>
+      <p:cxnSp>
+        <p:nvCxnSpPr>
+          <p:cNvPr id="15" name="肘形连接符 14"/>
+          <p:cNvCxnSpPr>
+            <a:stCxn id="13" idx="2"/>
+            <a:endCxn id="7" idx="0"/>
+          </p:cNvCxnSpPr>
+          <p:nvPr/>
+        </p:nvCxnSpPr>
+        <p:spPr>
+          <a:xfrm rot="5400000">
+            <a:off x="5388726" y="2167542"/>
+            <a:ext cx="1221969" cy="2157154"/>
+          </a:xfrm>
+          <a:prstGeom prst="bentConnector3">
+            <a:avLst/>
+          </a:prstGeom>
+          <a:ln w="28575">
+            <a:prstDash val="dash"/>
+          </a:ln>
+        </p:spPr>
+        <p:style>
+          <a:lnRef idx="3">
+            <a:schemeClr val="accent1"/>
+          </a:lnRef>
+          <a:fillRef idx="0">
+            <a:schemeClr val="accent1"/>
+          </a:fillRef>
+          <a:effectRef idx="2">
+            <a:schemeClr val="accent1"/>
+          </a:effectRef>
+          <a:fontRef idx="minor">
+            <a:schemeClr val="tx1"/>
+          </a:fontRef>
+        </p:style>
+      </p:cxnSp>
+      <p:sp>
+        <p:nvSpPr>
+          <p:cNvPr id="16" name="流程图: 摘录 15"/>
+          <p:cNvSpPr/>
+          <p:nvPr/>
+        </p:nvSpPr>
+        <p:spPr>
+          <a:xfrm>
+            <a:off x="8539247" y="2468883"/>
+            <a:ext cx="224444" cy="191191"/>
+          </a:xfrm>
+          <a:prstGeom prst="flowChartExtract">
+            <a:avLst/>
+          </a:prstGeom>
+        </p:spPr>
+        <p:style>
+          <a:lnRef idx="2">
+            <a:schemeClr val="accent1">
+              <a:shade val="50000"/>
+            </a:schemeClr>
+          </a:lnRef>
+          <a:fillRef idx="1">
+            <a:schemeClr val="accent1"/>
+          </a:fillRef>
+          <a:effectRef idx="0">
+            <a:schemeClr val="accent1"/>
+          </a:effectRef>
+          <a:fontRef idx="minor">
+            <a:schemeClr val="lt1"/>
+          </a:fontRef>
+        </p:style>
+        <p:txBody>
+          <a:bodyPr rtlCol="0" anchor="ctr"/>
+          <a:lstStyle/>
+          <a:p>
+            <a:pPr algn="ctr"/>
+            <a:endParaRPr lang="zh-CN" altLang="en-US"/>
+          </a:p>
+        </p:txBody>
+      </p:sp>
+      <p:cxnSp>
+        <p:nvCxnSpPr>
+          <p:cNvPr id="17" name="肘形连接符 16"/>
+          <p:cNvCxnSpPr>
+            <a:stCxn id="16" idx="2"/>
+            <a:endCxn id="10" idx="0"/>
+          </p:cNvCxnSpPr>
+          <p:nvPr/>
+        </p:nvCxnSpPr>
+        <p:spPr>
+          <a:xfrm rot="16200000" flipH="1">
+            <a:off x="9238558" y="2072985"/>
+            <a:ext cx="1197030" cy="2371208"/>
+          </a:xfrm>
+          <a:prstGeom prst="bentConnector3">
+            <a:avLst/>
+          </a:prstGeom>
+          <a:ln w="28575">
+            <a:prstDash val="dash"/>
+          </a:ln>
+        </p:spPr>
+        <p:style>
+          <a:lnRef idx="3">
+            <a:schemeClr val="accent1"/>
+          </a:lnRef>
+          <a:fillRef idx="0">
+            <a:schemeClr val="accent1"/>
+          </a:fillRef>
+          <a:effectRef idx="2">
+            <a:schemeClr val="accent1"/>
+          </a:effectRef>
+          <a:fontRef idx="minor">
+            <a:schemeClr val="tx1"/>
+          </a:fontRef>
+        </p:style>
+      </p:cxnSp>
+      <p:cxnSp>
+        <p:nvCxnSpPr>
+          <p:cNvPr id="20" name="直接箭头连接符 19"/>
+          <p:cNvCxnSpPr/>
+          <p:nvPr/>
+        </p:nvCxnSpPr>
+        <p:spPr>
+          <a:xfrm flipV="1">
+            <a:off x="6616931" y="4530435"/>
+            <a:ext cx="2842953" cy="24938"/>
+          </a:xfrm>
+          <a:prstGeom prst="straightConnector1">
+            <a:avLst/>
+          </a:prstGeom>
+          <a:ln w="38100">
+            <a:tailEnd type="triangle"/>
+          </a:ln>
+        </p:spPr>
+        <p:style>
+          <a:lnRef idx="3">
+            <a:schemeClr val="accent1"/>
+          </a:lnRef>
+          <a:fillRef idx="0">
+            <a:schemeClr val="accent1"/>
+          </a:fillRef>
+          <a:effectRef idx="2">
+            <a:schemeClr val="accent1"/>
+          </a:effectRef>
+          <a:fontRef idx="minor">
+            <a:schemeClr val="tx1"/>
+          </a:fontRef>
+        </p:style>
+      </p:cxnSp>
+      <p:sp>
+        <p:nvSpPr>
+          <p:cNvPr id="22" name="文本框 21"/>
+          <p:cNvSpPr txBox="1"/>
+          <p:nvPr/>
+        </p:nvSpPr>
+        <p:spPr>
+          <a:xfrm>
+            <a:off x="4136303" y="5467989"/>
+            <a:ext cx="1569660" cy="369332"/>
+          </a:xfrm>
+          <a:prstGeom prst="rect">
+            <a:avLst/>
+          </a:prstGeom>
+          <a:noFill/>
+        </p:spPr>
+        <p:txBody>
+          <a:bodyPr wrap="none" rtlCol="0">
+            <a:spAutoFit/>
+          </a:bodyPr>
+          <a:lstStyle/>
+          <a:p>
+            <a:r>
+              <a:rPr lang="zh-CN" altLang="en-US" dirty="0" smtClean="0"/>
+              <a:t>完成辅助操作</a:t>
+            </a:r>
+            <a:endParaRPr lang="en-US" altLang="zh-CN" dirty="0" smtClean="0"/>
+          </a:p>
+        </p:txBody>
+      </p:sp>
+      <p:sp>
+        <p:nvSpPr>
+          <p:cNvPr id="23" name="文本框 22"/>
+          <p:cNvSpPr txBox="1"/>
+          <p:nvPr/>
+        </p:nvSpPr>
+        <p:spPr>
+          <a:xfrm>
+            <a:off x="10237847" y="5467989"/>
+            <a:ext cx="1853392" cy="369332"/>
+          </a:xfrm>
+          <a:prstGeom prst="rect">
+            <a:avLst/>
+          </a:prstGeom>
+          <a:noFill/>
+        </p:spPr>
+        <p:txBody>
+          <a:bodyPr wrap="none" rtlCol="0">
+            <a:spAutoFit/>
+          </a:bodyPr>
+          <a:lstStyle/>
+          <a:p>
+            <a:r>
+              <a:rPr lang="zh-CN" altLang="en-US" dirty="0" smtClean="0"/>
+              <a:t>只完成核心操作</a:t>
+            </a:r>
+            <a:endParaRPr lang="zh-CN" altLang="en-US" dirty="0"/>
+          </a:p>
+        </p:txBody>
+      </p:sp>
+      <p:sp>
+        <p:nvSpPr>
+          <p:cNvPr id="24" name="文本框 23"/>
+          <p:cNvSpPr txBox="1"/>
+          <p:nvPr/>
+        </p:nvSpPr>
+        <p:spPr>
+          <a:xfrm>
+            <a:off x="4136303" y="2475990"/>
+            <a:ext cx="1107996" cy="369332"/>
+          </a:xfrm>
+          <a:prstGeom prst="rect">
+            <a:avLst/>
+          </a:prstGeom>
+          <a:noFill/>
+        </p:spPr>
+        <p:txBody>
+          <a:bodyPr wrap="none" rtlCol="0">
+            <a:spAutoFit/>
+          </a:bodyPr>
+          <a:lstStyle/>
+          <a:p>
+            <a:r>
+              <a:rPr lang="zh-CN" altLang="en-US" dirty="0" smtClean="0"/>
+              <a:t>讨债公司</a:t>
+            </a:r>
+            <a:endParaRPr lang="en-US" altLang="zh-CN" dirty="0" smtClean="0"/>
+          </a:p>
+        </p:txBody>
+      </p:sp>
+      <p:sp>
+        <p:nvSpPr>
+          <p:cNvPr id="25" name="文本框 24"/>
+          <p:cNvSpPr txBox="1"/>
+          <p:nvPr/>
+        </p:nvSpPr>
+        <p:spPr>
+          <a:xfrm>
+            <a:off x="10584095" y="2488460"/>
+            <a:ext cx="877163" cy="369332"/>
+          </a:xfrm>
+          <a:prstGeom prst="rect">
+            <a:avLst/>
+          </a:prstGeom>
+          <a:noFill/>
+        </p:spPr>
+        <p:txBody>
+          <a:bodyPr wrap="none" rtlCol="0">
+            <a:spAutoFit/>
+          </a:bodyPr>
+          <a:lstStyle/>
+          <a:p>
+            <a:r>
+              <a:rPr lang="zh-CN" altLang="en-US" dirty="0" smtClean="0"/>
+              <a:t>讨债者</a:t>
+            </a:r>
+            <a:endParaRPr lang="en-US" altLang="zh-CN" dirty="0" smtClean="0"/>
+          </a:p>
+        </p:txBody>
+      </p:sp>
+      <p:sp>
+        <p:nvSpPr>
+          <p:cNvPr id="26" name="笑脸 25"/>
+          <p:cNvSpPr/>
+          <p:nvPr/>
+        </p:nvSpPr>
+        <p:spPr>
+          <a:xfrm>
+            <a:off x="1308944" y="2227812"/>
+            <a:ext cx="1105593" cy="1064029"/>
+          </a:xfrm>
+          <a:prstGeom prst="smileyFace">
+            <a:avLst/>
+          </a:prstGeom>
+        </p:spPr>
+        <p:style>
+          <a:lnRef idx="2">
+            <a:schemeClr val="accent1">
+              <a:shade val="50000"/>
+            </a:schemeClr>
+          </a:lnRef>
+          <a:fillRef idx="1">
+            <a:schemeClr val="accent1"/>
+          </a:fillRef>
+          <a:effectRef idx="0">
+            <a:schemeClr val="accent1"/>
+          </a:effectRef>
+          <a:fontRef idx="minor">
+            <a:schemeClr val="lt1"/>
+          </a:fontRef>
+        </p:style>
+        <p:txBody>
+          <a:bodyPr rtlCol="0" anchor="ctr"/>
+          <a:lstStyle/>
+          <a:p>
+            <a:pPr algn="ctr"/>
+            <a:endParaRPr lang="zh-CN" altLang="en-US"/>
+          </a:p>
+        </p:txBody>
+      </p:sp>
+      <p:sp>
+        <p:nvSpPr>
+          <p:cNvPr id="27" name="文本框 26"/>
+          <p:cNvSpPr txBox="1"/>
+          <p:nvPr/>
+        </p:nvSpPr>
+        <p:spPr>
+          <a:xfrm>
+            <a:off x="1538574" y="3373766"/>
+            <a:ext cx="646331" cy="369332"/>
+          </a:xfrm>
+          <a:prstGeom prst="rect">
+            <a:avLst/>
+          </a:prstGeom>
+          <a:noFill/>
+        </p:spPr>
+        <p:txBody>
+          <a:bodyPr wrap="none" rtlCol="0">
+            <a:spAutoFit/>
+          </a:bodyPr>
+          <a:lstStyle/>
+          <a:p>
+            <a:r>
+              <a:rPr lang="zh-CN" altLang="en-US" dirty="0" smtClean="0"/>
+              <a:t>客户</a:t>
+            </a:r>
+            <a:endParaRPr lang="en-US" altLang="zh-CN" dirty="0" smtClean="0"/>
+          </a:p>
+        </p:txBody>
+      </p:sp>
+      <p:cxnSp>
+        <p:nvCxnSpPr>
+          <p:cNvPr id="29" name="曲线连接符 28"/>
+          <p:cNvCxnSpPr>
+            <a:stCxn id="26" idx="0"/>
+            <a:endCxn id="4" idx="1"/>
+          </p:cNvCxnSpPr>
+          <p:nvPr/>
+        </p:nvCxnSpPr>
+        <p:spPr>
+          <a:xfrm rot="5400000" flipH="1" flipV="1">
+            <a:off x="3886045" y="-681798"/>
+            <a:ext cx="885306" cy="4933914"/>
+          </a:xfrm>
+          <a:prstGeom prst="curvedConnector2">
+            <a:avLst/>
+          </a:prstGeom>
+          <a:ln w="28575">
+            <a:prstDash val="dash"/>
+            <a:tailEnd type="triangle"/>
+          </a:ln>
+        </p:spPr>
+        <p:style>
+          <a:lnRef idx="1">
+            <a:schemeClr val="accent1"/>
+          </a:lnRef>
+          <a:fillRef idx="0">
+            <a:schemeClr val="accent1"/>
+          </a:fillRef>
+          <a:effectRef idx="0">
+            <a:schemeClr val="accent1"/>
+          </a:effectRef>
+          <a:fontRef idx="minor">
+            <a:schemeClr val="tx1"/>
+          </a:fontRef>
+        </p:style>
+      </p:cxnSp>
+      <p:cxnSp>
+        <p:nvCxnSpPr>
+          <p:cNvPr id="30" name="曲线连接符 29"/>
+          <p:cNvCxnSpPr>
+            <a:stCxn id="26" idx="4"/>
+            <a:endCxn id="7" idx="1"/>
+          </p:cNvCxnSpPr>
+          <p:nvPr/>
+        </p:nvCxnSpPr>
+        <p:spPr>
+          <a:xfrm rot="16200000" flipH="1">
+            <a:off x="2410536" y="2743045"/>
+            <a:ext cx="901929" cy="1999519"/>
+          </a:xfrm>
+          <a:prstGeom prst="curvedConnector2">
+            <a:avLst/>
+          </a:prstGeom>
+          <a:ln w="28575">
+            <a:prstDash val="dash"/>
+            <a:tailEnd type="triangle"/>
+          </a:ln>
+        </p:spPr>
+        <p:style>
+          <a:lnRef idx="1">
+            <a:schemeClr val="accent1"/>
+          </a:lnRef>
+          <a:fillRef idx="0">
+            <a:schemeClr val="accent1"/>
+          </a:fillRef>
+          <a:effectRef idx="0">
+            <a:schemeClr val="accent1"/>
+          </a:effectRef>
+          <a:fontRef idx="minor">
+            <a:schemeClr val="tx1"/>
+          </a:fontRef>
+        </p:style>
+      </p:cxnSp>
+    </p:spTree>
+    <p:extLst>
+      <p:ext uri="{BB962C8B-B14F-4D97-AF65-F5344CB8AC3E}">
+        <p14:creationId xmlns:p14="http://schemas.microsoft.com/office/powerpoint/2010/main" val="3154582389"/>
+      </p:ext>
+    </p:extLst>
+  </p:cSld>
+  <p:clrMapOvr>
+    <a:masterClrMapping/>
+  </p:clrMapOvr>
+</p:sld>
+</file>
+
+<file path=ppt/slides/slide4.xml><?xml version="1.0" encoding="utf-8"?>
+<p:sld xmlns:a="http://schemas.openxmlformats.org/drawingml/2006/main" xmlns:r="http://schemas.openxmlformats.org/officeDocument/2006/relationships" xmlns:p="http://schemas.openxmlformats.org/presentationml/2006/main">
+  <p:cSld>
+    <p:spTree>
+      <p:nvGrpSpPr>
+        <p:cNvPr id="1" name=""/>
+        <p:cNvGrpSpPr/>
+        <p:nvPr/>
+      </p:nvGrpSpPr>
+      <p:grpSpPr>
+        <a:xfrm>
+          <a:off x="0" y="0"/>
+          <a:ext cx="0" cy="0"/>
+          <a:chOff x="0" y="0"/>
+          <a:chExt cx="0" cy="0"/>
+        </a:xfrm>
+      </p:grpSpPr>
+      <p:sp>
+        <p:nvSpPr>
+          <p:cNvPr id="53" name="圆角矩形 52"/>
+          <p:cNvSpPr/>
+          <p:nvPr/>
+        </p:nvSpPr>
+        <p:spPr>
+          <a:xfrm>
+            <a:off x="3901478" y="2988521"/>
+            <a:ext cx="6904201" cy="1109347"/>
+          </a:xfrm>
+          <a:prstGeom prst="roundRect">
+            <a:avLst/>
+          </a:prstGeom>
+        </p:spPr>
+        <p:style>
+          <a:lnRef idx="2">
+            <a:schemeClr val="accent1">
+              <a:shade val="50000"/>
+            </a:schemeClr>
+          </a:lnRef>
+          <a:fillRef idx="1">
+            <a:schemeClr val="accent1"/>
+          </a:fillRef>
+          <a:effectRef idx="0">
+            <a:schemeClr val="accent1"/>
+          </a:effectRef>
+          <a:fontRef idx="minor">
+            <a:schemeClr val="lt1"/>
+          </a:fontRef>
+        </p:style>
+        <p:txBody>
+          <a:bodyPr rtlCol="0" anchor="ctr"/>
+          <a:lstStyle/>
+          <a:p>
+            <a:pPr algn="ctr"/>
+            <a:endParaRPr lang="zh-CN" altLang="en-US"/>
+          </a:p>
+        </p:txBody>
+      </p:sp>
+      <p:sp>
+        <p:nvSpPr>
+          <p:cNvPr id="4" name="圆角矩形 3"/>
+          <p:cNvSpPr/>
+          <p:nvPr/>
+        </p:nvSpPr>
+        <p:spPr>
+          <a:xfrm>
+            <a:off x="7705898" y="490451"/>
+            <a:ext cx="1857896" cy="498763"/>
+          </a:xfrm>
+          <a:prstGeom prst="roundRect">
+            <a:avLst/>
+          </a:prstGeom>
+        </p:spPr>
+        <p:style>
+          <a:lnRef idx="0">
+            <a:schemeClr val="accent2"/>
+          </a:lnRef>
+          <a:fillRef idx="3">
+            <a:schemeClr val="accent2"/>
+          </a:fillRef>
+          <a:effectRef idx="3">
+            <a:schemeClr val="accent2"/>
+          </a:effectRef>
+          <a:fontRef idx="minor">
+            <a:schemeClr val="lt1"/>
+          </a:fontRef>
+        </p:style>
+        <p:txBody>
+          <a:bodyPr rtlCol="0" anchor="ctr"/>
+          <a:lstStyle/>
+          <a:p>
+            <a:pPr algn="ctr"/>
+            <a:r>
+              <a:rPr lang="zh-CN" altLang="en-US" sz="1400" dirty="0">
+                <a:latin typeface="新宋体" panose="02010609030101010101" pitchFamily="49" charset="-122"/>
+                <a:ea typeface="新宋体" panose="02010609030101010101" pitchFamily="49" charset="-122"/>
+              </a:rPr>
+              <a:t>动物</a:t>
+            </a:r>
+            <a:endParaRPr lang="en-US" altLang="zh-CN" sz="1400" dirty="0" smtClean="0">
+              <a:latin typeface="新宋体" panose="02010609030101010101" pitchFamily="49" charset="-122"/>
+              <a:ea typeface="新宋体" panose="02010609030101010101" pitchFamily="49" charset="-122"/>
+            </a:endParaRPr>
+          </a:p>
+          <a:p>
+            <a:pPr algn="ctr"/>
+            <a:r>
+              <a:rPr lang="en-US" altLang="zh-CN" sz="1400" dirty="0" smtClean="0">
+                <a:latin typeface="新宋体" panose="02010609030101010101" pitchFamily="49" charset="-122"/>
+                <a:ea typeface="新宋体" panose="02010609030101010101" pitchFamily="49" charset="-122"/>
+              </a:rPr>
+              <a:t>&lt;Interface&gt;</a:t>
+            </a:r>
+            <a:endParaRPr lang="zh-CN" altLang="en-US" sz="1400" dirty="0">
+              <a:latin typeface="新宋体" panose="02010609030101010101" pitchFamily="49" charset="-122"/>
+              <a:ea typeface="新宋体" panose="02010609030101010101" pitchFamily="49" charset="-122"/>
+            </a:endParaRPr>
+          </a:p>
+        </p:txBody>
+      </p:sp>
+      <p:sp>
+        <p:nvSpPr>
+          <p:cNvPr id="5" name="圆角矩形 4"/>
+          <p:cNvSpPr/>
+          <p:nvPr/>
+        </p:nvSpPr>
+        <p:spPr>
+          <a:xfrm>
+            <a:off x="7705898" y="1017231"/>
+            <a:ext cx="1857896" cy="80047"/>
+          </a:xfrm>
+          <a:prstGeom prst="roundRect">
+            <a:avLst/>
+          </a:prstGeom>
+        </p:spPr>
+        <p:style>
+          <a:lnRef idx="2">
+            <a:schemeClr val="accent1"/>
+          </a:lnRef>
+          <a:fillRef idx="1">
+            <a:schemeClr val="lt1"/>
+          </a:fillRef>
+          <a:effectRef idx="0">
+            <a:schemeClr val="accent1"/>
+          </a:effectRef>
+          <a:fontRef idx="minor">
+            <a:schemeClr val="dk1"/>
+          </a:fontRef>
+        </p:style>
+        <p:txBody>
+          <a:bodyPr rtlCol="0" anchor="ctr"/>
+          <a:lstStyle/>
+          <a:p>
+            <a:pPr algn="ctr"/>
+            <a:endParaRPr lang="zh-CN" altLang="en-US"/>
+          </a:p>
+        </p:txBody>
+      </p:sp>
+      <p:sp>
+        <p:nvSpPr>
+          <p:cNvPr id="6" name="圆角矩形 5"/>
+          <p:cNvSpPr/>
+          <p:nvPr/>
+        </p:nvSpPr>
+        <p:spPr>
+          <a:xfrm>
+            <a:off x="7705898" y="1127451"/>
+            <a:ext cx="1857896" cy="86207"/>
+          </a:xfrm>
+          <a:prstGeom prst="roundRect">
+            <a:avLst/>
+          </a:prstGeom>
+        </p:spPr>
+        <p:style>
+          <a:lnRef idx="2">
+            <a:schemeClr val="accent1"/>
+          </a:lnRef>
+          <a:fillRef idx="1">
+            <a:schemeClr val="lt1"/>
+          </a:fillRef>
+          <a:effectRef idx="0">
+            <a:schemeClr val="accent1"/>
+          </a:effectRef>
+          <a:fontRef idx="minor">
+            <a:schemeClr val="dk1"/>
+          </a:fontRef>
+        </p:style>
+        <p:txBody>
+          <a:bodyPr rtlCol="0" anchor="ctr"/>
+          <a:lstStyle/>
+          <a:p>
+            <a:pPr algn="ctr"/>
+            <a:endParaRPr lang="zh-CN" altLang="en-US"/>
+          </a:p>
+        </p:txBody>
+      </p:sp>
+      <p:sp>
+        <p:nvSpPr>
+          <p:cNvPr id="7" name="圆角矩形 6"/>
+          <p:cNvSpPr/>
+          <p:nvPr/>
+        </p:nvSpPr>
+        <p:spPr>
+          <a:xfrm>
+            <a:off x="5552907" y="1903617"/>
+            <a:ext cx="1857896" cy="498763"/>
+          </a:xfrm>
+          <a:prstGeom prst="roundRect">
+            <a:avLst/>
+          </a:prstGeom>
+        </p:spPr>
+        <p:style>
+          <a:lnRef idx="0">
+            <a:schemeClr val="accent2"/>
+          </a:lnRef>
+          <a:fillRef idx="3">
+            <a:schemeClr val="accent2"/>
+          </a:fillRef>
+          <a:effectRef idx="3">
+            <a:schemeClr val="accent2"/>
+          </a:effectRef>
+          <a:fontRef idx="minor">
+            <a:schemeClr val="lt1"/>
+          </a:fontRef>
+        </p:style>
+        <p:txBody>
+          <a:bodyPr rtlCol="0" anchor="ctr"/>
+          <a:lstStyle/>
+          <a:p>
+            <a:pPr algn="ctr"/>
+            <a:r>
+              <a:rPr lang="zh-CN" altLang="en-US" sz="1400" dirty="0" smtClean="0">
+                <a:latin typeface="新宋体" panose="02010609030101010101" pitchFamily="49" charset="-122"/>
+                <a:ea typeface="新宋体" panose="02010609030101010101" pitchFamily="49" charset="-122"/>
+              </a:rPr>
+              <a:t>哺乳动物</a:t>
+            </a:r>
+            <a:endParaRPr lang="en-US" altLang="zh-CN" sz="1400" dirty="0" smtClean="0">
+              <a:latin typeface="新宋体" panose="02010609030101010101" pitchFamily="49" charset="-122"/>
+              <a:ea typeface="新宋体" panose="02010609030101010101" pitchFamily="49" charset="-122"/>
+            </a:endParaRPr>
+          </a:p>
+          <a:p>
+            <a:pPr algn="ctr"/>
+            <a:r>
+              <a:rPr lang="en-US" altLang="zh-CN" sz="1400" dirty="0" smtClean="0">
+                <a:latin typeface="新宋体" panose="02010609030101010101" pitchFamily="49" charset="-122"/>
+                <a:ea typeface="新宋体" panose="02010609030101010101" pitchFamily="49" charset="-122"/>
+              </a:rPr>
+              <a:t>&lt;Interface&gt;</a:t>
+            </a:r>
+            <a:endParaRPr lang="zh-CN" altLang="en-US" sz="1400" dirty="0">
+              <a:latin typeface="新宋体" panose="02010609030101010101" pitchFamily="49" charset="-122"/>
+              <a:ea typeface="新宋体" panose="02010609030101010101" pitchFamily="49" charset="-122"/>
+            </a:endParaRPr>
+          </a:p>
+        </p:txBody>
+      </p:sp>
+      <p:sp>
+        <p:nvSpPr>
+          <p:cNvPr id="8" name="圆角矩形 7"/>
+          <p:cNvSpPr/>
+          <p:nvPr/>
+        </p:nvSpPr>
+        <p:spPr>
+          <a:xfrm>
+            <a:off x="5552907" y="2430397"/>
+            <a:ext cx="1857896" cy="80047"/>
+          </a:xfrm>
+          <a:prstGeom prst="roundRect">
+            <a:avLst/>
+          </a:prstGeom>
+        </p:spPr>
+        <p:style>
+          <a:lnRef idx="2">
+            <a:schemeClr val="accent1"/>
+          </a:lnRef>
+          <a:fillRef idx="1">
+            <a:schemeClr val="lt1"/>
+          </a:fillRef>
+          <a:effectRef idx="0">
+            <a:schemeClr val="accent1"/>
+          </a:effectRef>
+          <a:fontRef idx="minor">
+            <a:schemeClr val="dk1"/>
+          </a:fontRef>
+        </p:style>
+        <p:txBody>
+          <a:bodyPr rtlCol="0" anchor="ctr"/>
+          <a:lstStyle/>
+          <a:p>
+            <a:pPr algn="ctr"/>
+            <a:endParaRPr lang="zh-CN" altLang="en-US"/>
+          </a:p>
+        </p:txBody>
+      </p:sp>
+      <p:sp>
+        <p:nvSpPr>
+          <p:cNvPr id="9" name="圆角矩形 8"/>
+          <p:cNvSpPr/>
+          <p:nvPr/>
+        </p:nvSpPr>
+        <p:spPr>
+          <a:xfrm>
+            <a:off x="5552907" y="2540617"/>
+            <a:ext cx="1857896" cy="86207"/>
+          </a:xfrm>
+          <a:prstGeom prst="roundRect">
+            <a:avLst/>
+          </a:prstGeom>
+        </p:spPr>
+        <p:style>
+          <a:lnRef idx="2">
+            <a:schemeClr val="accent1"/>
+          </a:lnRef>
+          <a:fillRef idx="1">
+            <a:schemeClr val="lt1"/>
+          </a:fillRef>
+          <a:effectRef idx="0">
+            <a:schemeClr val="accent1"/>
+          </a:effectRef>
+          <a:fontRef idx="minor">
+            <a:schemeClr val="dk1"/>
+          </a:fontRef>
+        </p:style>
+        <p:txBody>
+          <a:bodyPr rtlCol="0" anchor="ctr"/>
+          <a:lstStyle/>
+          <a:p>
+            <a:pPr algn="ctr"/>
+            <a:endParaRPr lang="zh-CN" altLang="en-US"/>
+          </a:p>
+        </p:txBody>
+      </p:sp>
+      <p:sp>
+        <p:nvSpPr>
+          <p:cNvPr id="10" name="圆角矩形 9"/>
+          <p:cNvSpPr/>
+          <p:nvPr/>
+        </p:nvSpPr>
+        <p:spPr>
+          <a:xfrm>
+            <a:off x="9725896" y="1903617"/>
+            <a:ext cx="1857896" cy="498763"/>
+          </a:xfrm>
+          <a:prstGeom prst="roundRect">
+            <a:avLst/>
+          </a:prstGeom>
+        </p:spPr>
+        <p:style>
+          <a:lnRef idx="0">
+            <a:schemeClr val="accent2"/>
+          </a:lnRef>
+          <a:fillRef idx="3">
+            <a:schemeClr val="accent2"/>
+          </a:fillRef>
+          <a:effectRef idx="3">
+            <a:schemeClr val="accent2"/>
+          </a:effectRef>
+          <a:fontRef idx="minor">
+            <a:schemeClr val="lt1"/>
+          </a:fontRef>
+        </p:style>
+        <p:txBody>
+          <a:bodyPr rtlCol="0" anchor="ctr"/>
+          <a:lstStyle/>
+          <a:p>
+            <a:pPr algn="ctr"/>
+            <a:r>
+              <a:rPr lang="zh-CN" altLang="en-US" sz="1400" dirty="0" smtClean="0">
+                <a:latin typeface="新宋体" panose="02010609030101010101" pitchFamily="49" charset="-122"/>
+                <a:ea typeface="新宋体" panose="02010609030101010101" pitchFamily="49" charset="-122"/>
+              </a:rPr>
+              <a:t>卵生动物</a:t>
+            </a:r>
+            <a:endParaRPr lang="en-US" altLang="zh-CN" sz="1400" dirty="0" smtClean="0">
+              <a:latin typeface="新宋体" panose="02010609030101010101" pitchFamily="49" charset="-122"/>
+              <a:ea typeface="新宋体" panose="02010609030101010101" pitchFamily="49" charset="-122"/>
+            </a:endParaRPr>
+          </a:p>
+          <a:p>
+            <a:pPr algn="ctr"/>
+            <a:r>
+              <a:rPr lang="en-US" altLang="zh-CN" sz="1400" dirty="0" smtClean="0">
+                <a:latin typeface="新宋体" panose="02010609030101010101" pitchFamily="49" charset="-122"/>
+                <a:ea typeface="新宋体" panose="02010609030101010101" pitchFamily="49" charset="-122"/>
+              </a:rPr>
+              <a:t>&lt;Interface&gt;</a:t>
+            </a:r>
+            <a:endParaRPr lang="zh-CN" altLang="en-US" sz="1400" dirty="0">
+              <a:latin typeface="新宋体" panose="02010609030101010101" pitchFamily="49" charset="-122"/>
+              <a:ea typeface="新宋体" panose="02010609030101010101" pitchFamily="49" charset="-122"/>
+            </a:endParaRPr>
+          </a:p>
+        </p:txBody>
+      </p:sp>
+      <p:sp>
+        <p:nvSpPr>
+          <p:cNvPr id="11" name="圆角矩形 10"/>
+          <p:cNvSpPr/>
+          <p:nvPr/>
+        </p:nvSpPr>
+        <p:spPr>
+          <a:xfrm>
+            <a:off x="9725896" y="2430397"/>
+            <a:ext cx="1857896" cy="80047"/>
+          </a:xfrm>
+          <a:prstGeom prst="roundRect">
+            <a:avLst/>
+          </a:prstGeom>
+        </p:spPr>
+        <p:style>
+          <a:lnRef idx="2">
+            <a:schemeClr val="accent1"/>
+          </a:lnRef>
+          <a:fillRef idx="1">
+            <a:schemeClr val="lt1"/>
+          </a:fillRef>
+          <a:effectRef idx="0">
+            <a:schemeClr val="accent1"/>
+          </a:effectRef>
+          <a:fontRef idx="minor">
+            <a:schemeClr val="dk1"/>
+          </a:fontRef>
+        </p:style>
+        <p:txBody>
+          <a:bodyPr rtlCol="0" anchor="ctr"/>
+          <a:lstStyle/>
+          <a:p>
+            <a:pPr algn="ctr"/>
+            <a:endParaRPr lang="zh-CN" altLang="en-US"/>
+          </a:p>
+        </p:txBody>
+      </p:sp>
+      <p:sp>
+        <p:nvSpPr>
+          <p:cNvPr id="12" name="圆角矩形 11"/>
+          <p:cNvSpPr/>
+          <p:nvPr/>
+        </p:nvSpPr>
+        <p:spPr>
+          <a:xfrm>
+            <a:off x="9725896" y="2540617"/>
+            <a:ext cx="1857896" cy="86207"/>
+          </a:xfrm>
+          <a:prstGeom prst="roundRect">
+            <a:avLst/>
+          </a:prstGeom>
+        </p:spPr>
+        <p:style>
+          <a:lnRef idx="2">
+            <a:schemeClr val="accent1"/>
+          </a:lnRef>
+          <a:fillRef idx="1">
+            <a:schemeClr val="lt1"/>
+          </a:fillRef>
+          <a:effectRef idx="0">
+            <a:schemeClr val="accent1"/>
+          </a:effectRef>
+          <a:fontRef idx="minor">
+            <a:schemeClr val="dk1"/>
+          </a:fontRef>
+        </p:style>
+        <p:txBody>
+          <a:bodyPr rtlCol="0" anchor="ctr"/>
+          <a:lstStyle/>
+          <a:p>
+            <a:pPr algn="ctr"/>
+            <a:endParaRPr lang="zh-CN" altLang="en-US"/>
+          </a:p>
+        </p:txBody>
+      </p:sp>
+      <p:sp>
+        <p:nvSpPr>
+          <p:cNvPr id="13" name="流程图: 摘录 12"/>
+          <p:cNvSpPr/>
+          <p:nvPr/>
+        </p:nvSpPr>
+        <p:spPr>
+          <a:xfrm>
+            <a:off x="7667120" y="1263227"/>
+            <a:ext cx="196719" cy="141623"/>
+          </a:xfrm>
+          <a:prstGeom prst="flowChartExtract">
+            <a:avLst/>
+          </a:prstGeom>
+        </p:spPr>
+        <p:style>
+          <a:lnRef idx="2">
+            <a:schemeClr val="accent1">
+              <a:shade val="50000"/>
+            </a:schemeClr>
+          </a:lnRef>
+          <a:fillRef idx="1">
+            <a:schemeClr val="accent1"/>
+          </a:fillRef>
+          <a:effectRef idx="0">
+            <a:schemeClr val="accent1"/>
+          </a:effectRef>
+          <a:fontRef idx="minor">
+            <a:schemeClr val="lt1"/>
+          </a:fontRef>
+        </p:style>
+        <p:txBody>
+          <a:bodyPr rtlCol="0" anchor="ctr"/>
+          <a:lstStyle/>
+          <a:p>
+            <a:pPr algn="ctr"/>
+            <a:endParaRPr lang="zh-CN" altLang="en-US"/>
+          </a:p>
+        </p:txBody>
+      </p:sp>
+      <p:cxnSp>
+        <p:nvCxnSpPr>
+          <p:cNvPr id="14" name="肘形连接符 13"/>
+          <p:cNvCxnSpPr>
+            <a:stCxn id="13" idx="2"/>
+            <a:endCxn id="7" idx="0"/>
+          </p:cNvCxnSpPr>
+          <p:nvPr/>
+        </p:nvCxnSpPr>
+        <p:spPr>
+          <a:xfrm rot="5400000">
+            <a:off x="6874285" y="1012421"/>
+            <a:ext cx="498767" cy="1283625"/>
+          </a:xfrm>
+          <a:prstGeom prst="bentConnector3">
+            <a:avLst/>
+          </a:prstGeom>
+          <a:ln w="28575">
+            <a:prstDash val="dash"/>
+          </a:ln>
+        </p:spPr>
+        <p:style>
+          <a:lnRef idx="3">
+            <a:schemeClr val="accent1"/>
+          </a:lnRef>
+          <a:fillRef idx="0">
+            <a:schemeClr val="accent1"/>
+          </a:fillRef>
+          <a:effectRef idx="2">
+            <a:schemeClr val="accent1"/>
+          </a:effectRef>
+          <a:fontRef idx="minor">
+            <a:schemeClr val="tx1"/>
+          </a:fontRef>
+        </p:style>
+      </p:cxnSp>
+      <p:sp>
+        <p:nvSpPr>
+          <p:cNvPr id="16" name="流程图: 摘录 15"/>
+          <p:cNvSpPr/>
+          <p:nvPr/>
+        </p:nvSpPr>
+        <p:spPr>
+          <a:xfrm>
+            <a:off x="9202897" y="1263227"/>
+            <a:ext cx="196719" cy="141623"/>
+          </a:xfrm>
+          <a:prstGeom prst="flowChartExtract">
+            <a:avLst/>
+          </a:prstGeom>
+        </p:spPr>
+        <p:style>
+          <a:lnRef idx="2">
+            <a:schemeClr val="accent1">
+              <a:shade val="50000"/>
+            </a:schemeClr>
+          </a:lnRef>
+          <a:fillRef idx="1">
+            <a:schemeClr val="accent1"/>
+          </a:fillRef>
+          <a:effectRef idx="0">
+            <a:schemeClr val="accent1"/>
+          </a:effectRef>
+          <a:fontRef idx="minor">
+            <a:schemeClr val="lt1"/>
+          </a:fontRef>
+        </p:style>
+        <p:txBody>
+          <a:bodyPr rtlCol="0" anchor="ctr"/>
+          <a:lstStyle/>
+          <a:p>
+            <a:pPr algn="ctr"/>
+            <a:endParaRPr lang="zh-CN" altLang="en-US"/>
+          </a:p>
+        </p:txBody>
+      </p:sp>
+      <p:cxnSp>
+        <p:nvCxnSpPr>
+          <p:cNvPr id="17" name="肘形连接符 16"/>
+          <p:cNvCxnSpPr>
+            <a:stCxn id="16" idx="2"/>
+            <a:endCxn id="10" idx="0"/>
+          </p:cNvCxnSpPr>
+          <p:nvPr/>
+        </p:nvCxnSpPr>
+        <p:spPr>
+          <a:xfrm rot="16200000" flipH="1">
+            <a:off x="9728667" y="977439"/>
+            <a:ext cx="498767" cy="1353587"/>
+          </a:xfrm>
+          <a:prstGeom prst="bentConnector3">
+            <a:avLst/>
+          </a:prstGeom>
+          <a:ln w="28575">
+            <a:prstDash val="dash"/>
+          </a:ln>
+        </p:spPr>
+        <p:style>
+          <a:lnRef idx="3">
+            <a:schemeClr val="accent1"/>
+          </a:lnRef>
+          <a:fillRef idx="0">
+            <a:schemeClr val="accent1"/>
+          </a:fillRef>
+          <a:effectRef idx="2">
+            <a:schemeClr val="accent1"/>
+          </a:effectRef>
+          <a:fontRef idx="minor">
+            <a:schemeClr val="tx1"/>
+          </a:fontRef>
+        </p:style>
+      </p:cxnSp>
+      <p:sp>
+        <p:nvSpPr>
+          <p:cNvPr id="20" name="圆角矩形 19"/>
+          <p:cNvSpPr/>
+          <p:nvPr/>
+        </p:nvSpPr>
+        <p:spPr>
+          <a:xfrm>
+            <a:off x="5552907" y="3308465"/>
+            <a:ext cx="1857896" cy="498763"/>
+          </a:xfrm>
+          <a:prstGeom prst="roundRect">
+            <a:avLst/>
+          </a:prstGeom>
+        </p:spPr>
+        <p:style>
+          <a:lnRef idx="1">
+            <a:schemeClr val="accent6"/>
+          </a:lnRef>
+          <a:fillRef idx="2">
+            <a:schemeClr val="accent6"/>
+          </a:fillRef>
+          <a:effectRef idx="1">
+            <a:schemeClr val="accent6"/>
+          </a:effectRef>
+          <a:fontRef idx="minor">
+            <a:schemeClr val="dk1"/>
+          </a:fontRef>
+        </p:style>
+        <p:txBody>
+          <a:bodyPr rtlCol="0" anchor="ctr"/>
+          <a:lstStyle/>
+          <a:p>
+            <a:pPr algn="ctr"/>
+            <a:r>
+              <a:rPr lang="zh-CN" altLang="en-US" sz="1400" dirty="0" smtClean="0">
+                <a:latin typeface="新宋体" panose="02010609030101010101" pitchFamily="49" charset="-122"/>
+                <a:ea typeface="新宋体" panose="02010609030101010101" pitchFamily="49" charset="-122"/>
+              </a:rPr>
+              <a:t>人</a:t>
+            </a:r>
+            <a:endParaRPr lang="en-US" altLang="zh-CN" sz="1400" dirty="0" smtClean="0">
+              <a:latin typeface="新宋体" panose="02010609030101010101" pitchFamily="49" charset="-122"/>
+              <a:ea typeface="新宋体" panose="02010609030101010101" pitchFamily="49" charset="-122"/>
+            </a:endParaRPr>
+          </a:p>
+          <a:p>
+            <a:pPr algn="ctr"/>
+            <a:r>
+              <a:rPr lang="en-US" altLang="zh-CN" sz="1400" dirty="0" smtClean="0">
+                <a:latin typeface="新宋体" panose="02010609030101010101" pitchFamily="49" charset="-122"/>
+                <a:ea typeface="新宋体" panose="02010609030101010101" pitchFamily="49" charset="-122"/>
+              </a:rPr>
+              <a:t>&lt;abstract class&gt;</a:t>
+            </a:r>
+            <a:endParaRPr lang="zh-CN" altLang="en-US" sz="1400" dirty="0">
+              <a:latin typeface="新宋体" panose="02010609030101010101" pitchFamily="49" charset="-122"/>
+              <a:ea typeface="新宋体" panose="02010609030101010101" pitchFamily="49" charset="-122"/>
+            </a:endParaRPr>
+          </a:p>
+        </p:txBody>
+      </p:sp>
+      <p:sp>
+        <p:nvSpPr>
+          <p:cNvPr id="21" name="圆角矩形 20"/>
+          <p:cNvSpPr/>
+          <p:nvPr/>
+        </p:nvSpPr>
+        <p:spPr>
+          <a:xfrm>
+            <a:off x="5552907" y="3835245"/>
+            <a:ext cx="1857896" cy="80047"/>
+          </a:xfrm>
+          <a:prstGeom prst="roundRect">
+            <a:avLst/>
+          </a:prstGeom>
+        </p:spPr>
+        <p:style>
+          <a:lnRef idx="2">
+            <a:schemeClr val="accent1"/>
+          </a:lnRef>
+          <a:fillRef idx="1">
+            <a:schemeClr val="lt1"/>
+          </a:fillRef>
+          <a:effectRef idx="0">
+            <a:schemeClr val="accent1"/>
+          </a:effectRef>
+          <a:fontRef idx="minor">
+            <a:schemeClr val="dk1"/>
+          </a:fontRef>
+        </p:style>
+        <p:txBody>
+          <a:bodyPr rtlCol="0" anchor="ctr"/>
+          <a:lstStyle/>
+          <a:p>
+            <a:pPr algn="ctr"/>
+            <a:endParaRPr lang="zh-CN" altLang="en-US"/>
+          </a:p>
+        </p:txBody>
+      </p:sp>
+      <p:sp>
+        <p:nvSpPr>
+          <p:cNvPr id="22" name="圆角矩形 21"/>
+          <p:cNvSpPr/>
+          <p:nvPr/>
+        </p:nvSpPr>
+        <p:spPr>
+          <a:xfrm>
+            <a:off x="5552907" y="3945465"/>
+            <a:ext cx="1857896" cy="86207"/>
+          </a:xfrm>
+          <a:prstGeom prst="roundRect">
+            <a:avLst/>
+          </a:prstGeom>
+        </p:spPr>
+        <p:style>
+          <a:lnRef idx="2">
+            <a:schemeClr val="accent1"/>
+          </a:lnRef>
+          <a:fillRef idx="1">
+            <a:schemeClr val="lt1"/>
+          </a:fillRef>
+          <a:effectRef idx="0">
+            <a:schemeClr val="accent1"/>
+          </a:effectRef>
+          <a:fontRef idx="minor">
+            <a:schemeClr val="dk1"/>
+          </a:fontRef>
+        </p:style>
+        <p:txBody>
+          <a:bodyPr rtlCol="0" anchor="ctr"/>
+          <a:lstStyle/>
+          <a:p>
+            <a:pPr algn="ctr"/>
+            <a:endParaRPr lang="zh-CN" altLang="en-US"/>
+          </a:p>
+        </p:txBody>
+      </p:sp>
+      <p:sp>
+        <p:nvSpPr>
+          <p:cNvPr id="23" name="圆角矩形 22"/>
+          <p:cNvSpPr/>
+          <p:nvPr/>
+        </p:nvSpPr>
+        <p:spPr>
+          <a:xfrm>
+            <a:off x="3688779" y="4729943"/>
+            <a:ext cx="1857896" cy="498763"/>
+          </a:xfrm>
+          <a:prstGeom prst="roundRect">
+            <a:avLst/>
+          </a:prstGeom>
+        </p:spPr>
+        <p:style>
+          <a:lnRef idx="1">
+            <a:schemeClr val="accent2"/>
+          </a:lnRef>
+          <a:fillRef idx="2">
+            <a:schemeClr val="accent2"/>
+          </a:fillRef>
+          <a:effectRef idx="1">
+            <a:schemeClr val="accent2"/>
+          </a:effectRef>
+          <a:fontRef idx="minor">
+            <a:schemeClr val="dk1"/>
+          </a:fontRef>
+        </p:style>
+        <p:txBody>
+          <a:bodyPr rtlCol="0" anchor="ctr"/>
+          <a:lstStyle/>
+          <a:p>
+            <a:pPr algn="ctr"/>
+            <a:r>
+              <a:rPr lang="zh-CN" altLang="en-US" sz="1400" dirty="0">
+                <a:latin typeface="新宋体" panose="02010609030101010101" pitchFamily="49" charset="-122"/>
+                <a:ea typeface="新宋体" panose="02010609030101010101" pitchFamily="49" charset="-122"/>
+              </a:rPr>
+              <a:t>学生</a:t>
+            </a:r>
+            <a:endParaRPr lang="en-US" altLang="zh-CN" sz="1400" dirty="0" smtClean="0">
+              <a:latin typeface="新宋体" panose="02010609030101010101" pitchFamily="49" charset="-122"/>
+              <a:ea typeface="新宋体" panose="02010609030101010101" pitchFamily="49" charset="-122"/>
+            </a:endParaRPr>
+          </a:p>
+          <a:p>
+            <a:pPr algn="ctr"/>
+            <a:r>
+              <a:rPr lang="en-US" altLang="zh-CN" sz="1400" dirty="0" smtClean="0">
+                <a:latin typeface="新宋体" panose="02010609030101010101" pitchFamily="49" charset="-122"/>
+                <a:ea typeface="新宋体" panose="02010609030101010101" pitchFamily="49" charset="-122"/>
+              </a:rPr>
+              <a:t>&lt;class&gt;</a:t>
+            </a:r>
+            <a:endParaRPr lang="zh-CN" altLang="en-US" sz="1400" dirty="0">
+              <a:latin typeface="新宋体" panose="02010609030101010101" pitchFamily="49" charset="-122"/>
+              <a:ea typeface="新宋体" panose="02010609030101010101" pitchFamily="49" charset="-122"/>
+            </a:endParaRPr>
+          </a:p>
+        </p:txBody>
+      </p:sp>
+      <p:sp>
+        <p:nvSpPr>
+          <p:cNvPr id="24" name="圆角矩形 23"/>
+          <p:cNvSpPr/>
+          <p:nvPr/>
+        </p:nvSpPr>
+        <p:spPr>
+          <a:xfrm>
+            <a:off x="3688779" y="5256723"/>
+            <a:ext cx="1857896" cy="80047"/>
+          </a:xfrm>
+          <a:prstGeom prst="roundRect">
+            <a:avLst/>
+          </a:prstGeom>
+        </p:spPr>
+        <p:style>
+          <a:lnRef idx="2">
+            <a:schemeClr val="accent1"/>
+          </a:lnRef>
+          <a:fillRef idx="1">
+            <a:schemeClr val="lt1"/>
+          </a:fillRef>
+          <a:effectRef idx="0">
+            <a:schemeClr val="accent1"/>
+          </a:effectRef>
+          <a:fontRef idx="minor">
+            <a:schemeClr val="dk1"/>
+          </a:fontRef>
+        </p:style>
+        <p:txBody>
+          <a:bodyPr rtlCol="0" anchor="ctr"/>
+          <a:lstStyle/>
+          <a:p>
+            <a:pPr algn="ctr"/>
+            <a:endParaRPr lang="zh-CN" altLang="en-US"/>
+          </a:p>
+        </p:txBody>
+      </p:sp>
+      <p:sp>
+        <p:nvSpPr>
+          <p:cNvPr id="25" name="圆角矩形 24"/>
+          <p:cNvSpPr/>
+          <p:nvPr/>
+        </p:nvSpPr>
+        <p:spPr>
+          <a:xfrm>
+            <a:off x="3688779" y="5366943"/>
+            <a:ext cx="1857896" cy="86207"/>
+          </a:xfrm>
+          <a:prstGeom prst="roundRect">
+            <a:avLst/>
+          </a:prstGeom>
+        </p:spPr>
+        <p:style>
+          <a:lnRef idx="2">
+            <a:schemeClr val="accent1"/>
+          </a:lnRef>
+          <a:fillRef idx="1">
+            <a:schemeClr val="lt1"/>
+          </a:fillRef>
+          <a:effectRef idx="0">
+            <a:schemeClr val="accent1"/>
+          </a:effectRef>
+          <a:fontRef idx="minor">
+            <a:schemeClr val="dk1"/>
+          </a:fontRef>
+        </p:style>
+        <p:txBody>
+          <a:bodyPr rtlCol="0" anchor="ctr"/>
+          <a:lstStyle/>
+          <a:p>
+            <a:pPr algn="ctr"/>
+            <a:endParaRPr lang="zh-CN" altLang="en-US"/>
+          </a:p>
+        </p:txBody>
+      </p:sp>
+      <p:cxnSp>
+        <p:nvCxnSpPr>
+          <p:cNvPr id="27" name="直接箭头连接符 26"/>
+          <p:cNvCxnSpPr>
+            <a:stCxn id="20" idx="0"/>
+            <a:endCxn id="9" idx="2"/>
+          </p:cNvCxnSpPr>
+          <p:nvPr/>
+        </p:nvCxnSpPr>
+        <p:spPr>
+          <a:xfrm flipV="1">
+            <a:off x="6481855" y="2626824"/>
+            <a:ext cx="0" cy="681641"/>
+          </a:xfrm>
+          <a:prstGeom prst="straightConnector1">
+            <a:avLst/>
+          </a:prstGeom>
+          <a:ln w="28575">
+            <a:prstDash val="dash"/>
+            <a:tailEnd type="triangle"/>
+          </a:ln>
+        </p:spPr>
+        <p:style>
+          <a:lnRef idx="1">
+            <a:schemeClr val="accent1"/>
+          </a:lnRef>
+          <a:fillRef idx="0">
+            <a:schemeClr val="accent1"/>
+          </a:fillRef>
+          <a:effectRef idx="0">
+            <a:schemeClr val="accent1"/>
+          </a:effectRef>
+          <a:fontRef idx="minor">
+            <a:schemeClr val="tx1"/>
+          </a:fontRef>
+        </p:style>
+      </p:cxnSp>
+      <p:sp>
+        <p:nvSpPr>
+          <p:cNvPr id="28" name="流程图: 摘录 27"/>
+          <p:cNvSpPr/>
+          <p:nvPr/>
+        </p:nvSpPr>
+        <p:spPr>
+          <a:xfrm>
+            <a:off x="5564000" y="4089552"/>
+            <a:ext cx="196719" cy="141623"/>
+          </a:xfrm>
+          <a:prstGeom prst="flowChartExtract">
+            <a:avLst/>
+          </a:prstGeom>
+        </p:spPr>
+        <p:style>
+          <a:lnRef idx="2">
+            <a:schemeClr val="accent1">
+              <a:shade val="50000"/>
+            </a:schemeClr>
+          </a:lnRef>
+          <a:fillRef idx="1">
+            <a:schemeClr val="accent1"/>
+          </a:fillRef>
+          <a:effectRef idx="0">
+            <a:schemeClr val="accent1"/>
+          </a:effectRef>
+          <a:fontRef idx="minor">
+            <a:schemeClr val="lt1"/>
+          </a:fontRef>
+        </p:style>
+        <p:txBody>
+          <a:bodyPr rtlCol="0" anchor="ctr"/>
+          <a:lstStyle/>
+          <a:p>
+            <a:pPr algn="ctr"/>
+            <a:endParaRPr lang="zh-CN" altLang="en-US"/>
+          </a:p>
+        </p:txBody>
+      </p:sp>
+      <p:cxnSp>
+        <p:nvCxnSpPr>
+          <p:cNvPr id="29" name="肘形连接符 28"/>
+          <p:cNvCxnSpPr>
+            <a:stCxn id="28" idx="2"/>
+            <a:endCxn id="23" idx="0"/>
+          </p:cNvCxnSpPr>
+          <p:nvPr/>
+        </p:nvCxnSpPr>
+        <p:spPr>
+          <a:xfrm rot="5400000">
+            <a:off x="4890660" y="3958243"/>
+            <a:ext cx="498768" cy="1044633"/>
+          </a:xfrm>
+          <a:prstGeom prst="bentConnector3">
+            <a:avLst/>
+          </a:prstGeom>
+          <a:ln w="28575">
+            <a:prstDash val="dash"/>
+          </a:ln>
+        </p:spPr>
+        <p:style>
+          <a:lnRef idx="3">
+            <a:schemeClr val="accent1"/>
+          </a:lnRef>
+          <a:fillRef idx="0">
+            <a:schemeClr val="accent1"/>
+          </a:fillRef>
+          <a:effectRef idx="2">
+            <a:schemeClr val="accent1"/>
+          </a:effectRef>
+          <a:fontRef idx="minor">
+            <a:schemeClr val="tx1"/>
+          </a:fontRef>
+        </p:style>
+      </p:cxnSp>
+      <p:sp>
+        <p:nvSpPr>
+          <p:cNvPr id="32" name="圆角矩形 31"/>
+          <p:cNvSpPr/>
+          <p:nvPr/>
+        </p:nvSpPr>
+        <p:spPr>
+          <a:xfrm>
+            <a:off x="7705898" y="4729943"/>
+            <a:ext cx="1857896" cy="498763"/>
+          </a:xfrm>
+          <a:prstGeom prst="roundRect">
+            <a:avLst/>
+          </a:prstGeom>
+        </p:spPr>
+        <p:style>
+          <a:lnRef idx="1">
+            <a:schemeClr val="accent2"/>
+          </a:lnRef>
+          <a:fillRef idx="2">
+            <a:schemeClr val="accent2"/>
+          </a:fillRef>
+          <a:effectRef idx="1">
+            <a:schemeClr val="accent2"/>
+          </a:effectRef>
+          <a:fontRef idx="minor">
+            <a:schemeClr val="dk1"/>
+          </a:fontRef>
+        </p:style>
+        <p:txBody>
+          <a:bodyPr rtlCol="0" anchor="ctr"/>
+          <a:lstStyle/>
+          <a:p>
+            <a:pPr algn="ctr"/>
+            <a:r>
+              <a:rPr lang="zh-CN" altLang="en-US" sz="1400" dirty="0">
+                <a:latin typeface="新宋体" panose="02010609030101010101" pitchFamily="49" charset="-122"/>
+                <a:ea typeface="新宋体" panose="02010609030101010101" pitchFamily="49" charset="-122"/>
+              </a:rPr>
+              <a:t>工人</a:t>
+            </a:r>
+            <a:endParaRPr lang="en-US" altLang="zh-CN" sz="1400" dirty="0" smtClean="0">
+              <a:latin typeface="新宋体" panose="02010609030101010101" pitchFamily="49" charset="-122"/>
+              <a:ea typeface="新宋体" panose="02010609030101010101" pitchFamily="49" charset="-122"/>
+            </a:endParaRPr>
+          </a:p>
+          <a:p>
+            <a:pPr algn="ctr"/>
+            <a:r>
+              <a:rPr lang="en-US" altLang="zh-CN" sz="1400" dirty="0" smtClean="0">
+                <a:latin typeface="新宋体" panose="02010609030101010101" pitchFamily="49" charset="-122"/>
+                <a:ea typeface="新宋体" panose="02010609030101010101" pitchFamily="49" charset="-122"/>
+              </a:rPr>
+              <a:t>&lt;class&gt;</a:t>
+            </a:r>
+            <a:endParaRPr lang="zh-CN" altLang="en-US" sz="1400" dirty="0">
+              <a:latin typeface="新宋体" panose="02010609030101010101" pitchFamily="49" charset="-122"/>
+              <a:ea typeface="新宋体" panose="02010609030101010101" pitchFamily="49" charset="-122"/>
+            </a:endParaRPr>
+          </a:p>
+        </p:txBody>
+      </p:sp>
+      <p:sp>
+        <p:nvSpPr>
+          <p:cNvPr id="33" name="圆角矩形 32"/>
+          <p:cNvSpPr/>
+          <p:nvPr/>
+        </p:nvSpPr>
+        <p:spPr>
+          <a:xfrm>
+            <a:off x="7705898" y="5256723"/>
+            <a:ext cx="1857896" cy="80047"/>
+          </a:xfrm>
+          <a:prstGeom prst="roundRect">
+            <a:avLst/>
+          </a:prstGeom>
+        </p:spPr>
+        <p:style>
+          <a:lnRef idx="2">
+            <a:schemeClr val="accent1"/>
+          </a:lnRef>
+          <a:fillRef idx="1">
+            <a:schemeClr val="lt1"/>
+          </a:fillRef>
+          <a:effectRef idx="0">
+            <a:schemeClr val="accent1"/>
+          </a:effectRef>
+          <a:fontRef idx="minor">
+            <a:schemeClr val="dk1"/>
+          </a:fontRef>
+        </p:style>
+        <p:txBody>
+          <a:bodyPr rtlCol="0" anchor="ctr"/>
+          <a:lstStyle/>
+          <a:p>
+            <a:pPr algn="ctr"/>
+            <a:endParaRPr lang="zh-CN" altLang="en-US"/>
+          </a:p>
+        </p:txBody>
+      </p:sp>
+      <p:sp>
+        <p:nvSpPr>
+          <p:cNvPr id="34" name="圆角矩形 33"/>
+          <p:cNvSpPr/>
+          <p:nvPr/>
+        </p:nvSpPr>
+        <p:spPr>
+          <a:xfrm>
+            <a:off x="7705898" y="5366943"/>
+            <a:ext cx="1857896" cy="86207"/>
+          </a:xfrm>
+          <a:prstGeom prst="roundRect">
+            <a:avLst/>
+          </a:prstGeom>
+        </p:spPr>
+        <p:style>
+          <a:lnRef idx="2">
+            <a:schemeClr val="accent1"/>
+          </a:lnRef>
+          <a:fillRef idx="1">
+            <a:schemeClr val="lt1"/>
+          </a:fillRef>
+          <a:effectRef idx="0">
+            <a:schemeClr val="accent1"/>
+          </a:effectRef>
+          <a:fontRef idx="minor">
+            <a:schemeClr val="dk1"/>
+          </a:fontRef>
+        </p:style>
+        <p:txBody>
+          <a:bodyPr rtlCol="0" anchor="ctr"/>
+          <a:lstStyle/>
+          <a:p>
+            <a:pPr algn="ctr"/>
+            <a:endParaRPr lang="zh-CN" altLang="en-US"/>
+          </a:p>
+        </p:txBody>
+      </p:sp>
+      <p:sp>
+        <p:nvSpPr>
+          <p:cNvPr id="35" name="流程图: 摘录 34"/>
+          <p:cNvSpPr/>
+          <p:nvPr/>
+        </p:nvSpPr>
+        <p:spPr>
+          <a:xfrm>
+            <a:off x="6973000" y="4106177"/>
+            <a:ext cx="196719" cy="141623"/>
+          </a:xfrm>
+          <a:prstGeom prst="flowChartExtract">
+            <a:avLst/>
+          </a:prstGeom>
+        </p:spPr>
+        <p:style>
+          <a:lnRef idx="2">
+            <a:schemeClr val="accent1">
+              <a:shade val="50000"/>
+            </a:schemeClr>
+          </a:lnRef>
+          <a:fillRef idx="1">
+            <a:schemeClr val="accent1"/>
+          </a:fillRef>
+          <a:effectRef idx="0">
+            <a:schemeClr val="accent1"/>
+          </a:effectRef>
+          <a:fontRef idx="minor">
+            <a:schemeClr val="lt1"/>
+          </a:fontRef>
+        </p:style>
+        <p:txBody>
+          <a:bodyPr rtlCol="0" anchor="ctr"/>
+          <a:lstStyle/>
+          <a:p>
+            <a:pPr algn="ctr"/>
+            <a:endParaRPr lang="zh-CN" altLang="en-US"/>
+          </a:p>
+        </p:txBody>
+      </p:sp>
+      <p:cxnSp>
+        <p:nvCxnSpPr>
+          <p:cNvPr id="36" name="肘形连接符 35"/>
+          <p:cNvCxnSpPr>
+            <a:stCxn id="35" idx="2"/>
+            <a:endCxn id="32" idx="0"/>
+          </p:cNvCxnSpPr>
+          <p:nvPr/>
+        </p:nvCxnSpPr>
+        <p:spPr>
+          <a:xfrm rot="16200000" flipH="1">
+            <a:off x="7612032" y="3707128"/>
+            <a:ext cx="482143" cy="1563486"/>
+          </a:xfrm>
+          <a:prstGeom prst="bentConnector3">
+            <a:avLst/>
+          </a:prstGeom>
+          <a:ln w="28575">
+            <a:prstDash val="dash"/>
+          </a:ln>
+        </p:spPr>
+        <p:style>
+          <a:lnRef idx="3">
+            <a:schemeClr val="accent1"/>
+          </a:lnRef>
+          <a:fillRef idx="0">
+            <a:schemeClr val="accent1"/>
+          </a:fillRef>
+          <a:effectRef idx="2">
+            <a:schemeClr val="accent1"/>
+          </a:effectRef>
+          <a:fontRef idx="minor">
+            <a:schemeClr val="tx1"/>
+          </a:fontRef>
+        </p:style>
+      </p:cxnSp>
+      <p:sp>
+        <p:nvSpPr>
+          <p:cNvPr id="40" name="椭圆 39"/>
+          <p:cNvSpPr/>
+          <p:nvPr/>
+        </p:nvSpPr>
+        <p:spPr>
+          <a:xfrm>
+            <a:off x="3724100" y="6043353"/>
+            <a:ext cx="764771" cy="382386"/>
+          </a:xfrm>
+          <a:prstGeom prst="ellipse">
+            <a:avLst/>
+          </a:prstGeom>
+        </p:spPr>
+        <p:style>
+          <a:lnRef idx="2">
+            <a:schemeClr val="accent1">
+              <a:shade val="50000"/>
+            </a:schemeClr>
+          </a:lnRef>
+          <a:fillRef idx="1">
+            <a:schemeClr val="accent1"/>
+          </a:fillRef>
+          <a:effectRef idx="0">
+            <a:schemeClr val="accent1"/>
+          </a:effectRef>
+          <a:fontRef idx="minor">
+            <a:schemeClr val="lt1"/>
+          </a:fontRef>
+        </p:style>
+        <p:txBody>
+          <a:bodyPr rtlCol="0" anchor="ctr"/>
+          <a:lstStyle/>
+          <a:p>
+            <a:pPr algn="ctr"/>
+            <a:r>
+              <a:rPr lang="zh-CN" altLang="en-US" sz="1400" dirty="0" smtClean="0">
+                <a:latin typeface="新宋体" panose="02010609030101010101" pitchFamily="49" charset="-122"/>
+                <a:ea typeface="新宋体" panose="02010609030101010101" pitchFamily="49" charset="-122"/>
+              </a:rPr>
+              <a:t>张三</a:t>
+            </a:r>
+            <a:endParaRPr lang="zh-CN" altLang="en-US" sz="1400" dirty="0">
+              <a:latin typeface="新宋体" panose="02010609030101010101" pitchFamily="49" charset="-122"/>
+              <a:ea typeface="新宋体" panose="02010609030101010101" pitchFamily="49" charset="-122"/>
+            </a:endParaRPr>
+          </a:p>
+        </p:txBody>
+      </p:sp>
+      <p:sp>
+        <p:nvSpPr>
+          <p:cNvPr id="41" name="椭圆 40"/>
+          <p:cNvSpPr/>
+          <p:nvPr/>
+        </p:nvSpPr>
+        <p:spPr>
+          <a:xfrm>
+            <a:off x="4757664" y="6043353"/>
+            <a:ext cx="764771" cy="382386"/>
+          </a:xfrm>
+          <a:prstGeom prst="ellipse">
+            <a:avLst/>
+          </a:prstGeom>
+        </p:spPr>
+        <p:style>
+          <a:lnRef idx="2">
+            <a:schemeClr val="accent1">
+              <a:shade val="50000"/>
+            </a:schemeClr>
+          </a:lnRef>
+          <a:fillRef idx="1">
+            <a:schemeClr val="accent1"/>
+          </a:fillRef>
+          <a:effectRef idx="0">
+            <a:schemeClr val="accent1"/>
+          </a:effectRef>
+          <a:fontRef idx="minor">
+            <a:schemeClr val="lt1"/>
+          </a:fontRef>
+        </p:style>
+        <p:txBody>
+          <a:bodyPr rtlCol="0" anchor="ctr"/>
+          <a:lstStyle/>
+          <a:p>
+            <a:pPr algn="ctr"/>
+            <a:r>
+              <a:rPr lang="zh-CN" altLang="en-US" sz="1400" dirty="0">
+                <a:latin typeface="新宋体" panose="02010609030101010101" pitchFamily="49" charset="-122"/>
+                <a:ea typeface="新宋体" panose="02010609030101010101" pitchFamily="49" charset="-122"/>
+              </a:rPr>
+              <a:t>李四</a:t>
+            </a:r>
+          </a:p>
+        </p:txBody>
+      </p:sp>
+      <p:sp>
+        <p:nvSpPr>
+          <p:cNvPr id="42" name="上箭头 41"/>
+          <p:cNvSpPr/>
+          <p:nvPr/>
+        </p:nvSpPr>
+        <p:spPr>
+          <a:xfrm>
+            <a:off x="3965168" y="5573682"/>
+            <a:ext cx="282633" cy="340821"/>
+          </a:xfrm>
+          <a:prstGeom prst="upArrow">
+            <a:avLst/>
+          </a:prstGeom>
+        </p:spPr>
+        <p:style>
+          <a:lnRef idx="2">
+            <a:schemeClr val="accent1">
+              <a:shade val="50000"/>
+            </a:schemeClr>
+          </a:lnRef>
+          <a:fillRef idx="1">
+            <a:schemeClr val="accent1"/>
+          </a:fillRef>
+          <a:effectRef idx="0">
+            <a:schemeClr val="accent1"/>
+          </a:effectRef>
+          <a:fontRef idx="minor">
+            <a:schemeClr val="lt1"/>
+          </a:fontRef>
+        </p:style>
+        <p:txBody>
+          <a:bodyPr rtlCol="0" anchor="ctr"/>
+          <a:lstStyle/>
+          <a:p>
+            <a:pPr algn="ctr"/>
+            <a:endParaRPr lang="zh-CN" altLang="en-US"/>
+          </a:p>
+        </p:txBody>
+      </p:sp>
+      <p:sp>
+        <p:nvSpPr>
+          <p:cNvPr id="43" name="上箭头 42"/>
+          <p:cNvSpPr/>
+          <p:nvPr/>
+        </p:nvSpPr>
+        <p:spPr>
+          <a:xfrm>
+            <a:off x="4998727" y="5573682"/>
+            <a:ext cx="282633" cy="340821"/>
+          </a:xfrm>
+          <a:prstGeom prst="upArrow">
+            <a:avLst/>
+          </a:prstGeom>
+        </p:spPr>
+        <p:style>
+          <a:lnRef idx="2">
+            <a:schemeClr val="accent1">
+              <a:shade val="50000"/>
+            </a:schemeClr>
+          </a:lnRef>
+          <a:fillRef idx="1">
+            <a:schemeClr val="accent1"/>
+          </a:fillRef>
+          <a:effectRef idx="0">
+            <a:schemeClr val="accent1"/>
+          </a:effectRef>
+          <a:fontRef idx="minor">
+            <a:schemeClr val="lt1"/>
+          </a:fontRef>
+        </p:style>
+        <p:txBody>
+          <a:bodyPr rtlCol="0" anchor="ctr"/>
+          <a:lstStyle/>
+          <a:p>
+            <a:pPr algn="ctr"/>
+            <a:endParaRPr lang="zh-CN" altLang="en-US"/>
+          </a:p>
+        </p:txBody>
+      </p:sp>
+      <p:sp>
+        <p:nvSpPr>
+          <p:cNvPr id="44" name="文本框 43"/>
+          <p:cNvSpPr txBox="1"/>
+          <p:nvPr/>
+        </p:nvSpPr>
+        <p:spPr>
+          <a:xfrm>
+            <a:off x="5581608" y="1275698"/>
+            <a:ext cx="1800493" cy="307777"/>
+          </a:xfrm>
+          <a:prstGeom prst="rect">
+            <a:avLst/>
+          </a:prstGeom>
+          <a:noFill/>
+        </p:spPr>
+        <p:txBody>
+          <a:bodyPr wrap="none" rtlCol="0">
+            <a:spAutoFit/>
+          </a:bodyPr>
+          <a:lstStyle/>
+          <a:p>
+            <a:r>
+              <a:rPr lang="en-US" altLang="zh-CN" sz="1400" dirty="0" smtClean="0">
+                <a:latin typeface="新宋体" panose="02010609030101010101" pitchFamily="49" charset="-122"/>
+                <a:ea typeface="新宋体" panose="02010609030101010101" pitchFamily="49" charset="-122"/>
+              </a:rPr>
+              <a:t>Extends , </a:t>
+            </a:r>
+            <a:r>
+              <a:rPr lang="zh-CN" altLang="en-US" sz="1400" dirty="0" smtClean="0">
+                <a:latin typeface="新宋体" panose="02010609030101010101" pitchFamily="49" charset="-122"/>
+                <a:ea typeface="新宋体" panose="02010609030101010101" pitchFamily="49" charset="-122"/>
+              </a:rPr>
+              <a:t>标准细分</a:t>
+            </a:r>
+            <a:endParaRPr lang="zh-CN" altLang="en-US" sz="1400" dirty="0">
+              <a:latin typeface="新宋体" panose="02010609030101010101" pitchFamily="49" charset="-122"/>
+              <a:ea typeface="新宋体" panose="02010609030101010101" pitchFamily="49" charset="-122"/>
+            </a:endParaRPr>
+          </a:p>
+        </p:txBody>
+      </p:sp>
+      <p:sp>
+        <p:nvSpPr>
+          <p:cNvPr id="45" name="文本框 44"/>
+          <p:cNvSpPr txBox="1"/>
+          <p:nvPr/>
+        </p:nvSpPr>
+        <p:spPr>
+          <a:xfrm>
+            <a:off x="6626942" y="2834633"/>
+            <a:ext cx="1085554" cy="307777"/>
+          </a:xfrm>
+          <a:prstGeom prst="rect">
+            <a:avLst/>
+          </a:prstGeom>
+          <a:noFill/>
+        </p:spPr>
+        <p:txBody>
+          <a:bodyPr wrap="none" rtlCol="0">
+            <a:spAutoFit/>
+          </a:bodyPr>
+          <a:lstStyle/>
+          <a:p>
+            <a:r>
+              <a:rPr lang="en-US" altLang="zh-CN" sz="1400" dirty="0" smtClean="0">
+                <a:latin typeface="新宋体" panose="02010609030101010101" pitchFamily="49" charset="-122"/>
+                <a:ea typeface="新宋体" panose="02010609030101010101" pitchFamily="49" charset="-122"/>
+              </a:rPr>
+              <a:t>implements</a:t>
+            </a:r>
+            <a:endParaRPr lang="zh-CN" altLang="en-US" sz="1400" dirty="0">
+              <a:latin typeface="新宋体" panose="02010609030101010101" pitchFamily="49" charset="-122"/>
+              <a:ea typeface="新宋体" panose="02010609030101010101" pitchFamily="49" charset="-122"/>
+            </a:endParaRPr>
+          </a:p>
+        </p:txBody>
+      </p:sp>
+      <p:sp>
+        <p:nvSpPr>
+          <p:cNvPr id="46" name="文本框 45"/>
+          <p:cNvSpPr txBox="1"/>
+          <p:nvPr/>
+        </p:nvSpPr>
+        <p:spPr>
+          <a:xfrm>
+            <a:off x="7395203" y="4097868"/>
+            <a:ext cx="813043" cy="307777"/>
+          </a:xfrm>
+          <a:prstGeom prst="rect">
+            <a:avLst/>
+          </a:prstGeom>
+          <a:noFill/>
+        </p:spPr>
+        <p:txBody>
+          <a:bodyPr wrap="none" rtlCol="0">
+            <a:spAutoFit/>
+          </a:bodyPr>
+          <a:lstStyle/>
+          <a:p>
+            <a:r>
+              <a:rPr lang="en-US" altLang="zh-CN" sz="1400" dirty="0" smtClean="0">
+                <a:latin typeface="新宋体" panose="02010609030101010101" pitchFamily="49" charset="-122"/>
+                <a:ea typeface="新宋体" panose="02010609030101010101" pitchFamily="49" charset="-122"/>
+              </a:rPr>
+              <a:t>extends</a:t>
+            </a:r>
+            <a:endParaRPr lang="zh-CN" altLang="en-US" sz="1400" dirty="0">
+              <a:latin typeface="新宋体" panose="02010609030101010101" pitchFamily="49" charset="-122"/>
+              <a:ea typeface="新宋体" panose="02010609030101010101" pitchFamily="49" charset="-122"/>
+            </a:endParaRPr>
+          </a:p>
+        </p:txBody>
+      </p:sp>
+      <p:sp>
+        <p:nvSpPr>
+          <p:cNvPr id="47" name="文本框 46"/>
+          <p:cNvSpPr txBox="1"/>
+          <p:nvPr/>
+        </p:nvSpPr>
+        <p:spPr>
+          <a:xfrm>
+            <a:off x="4635053" y="4097868"/>
+            <a:ext cx="813043" cy="307777"/>
+          </a:xfrm>
+          <a:prstGeom prst="rect">
+            <a:avLst/>
+          </a:prstGeom>
+          <a:noFill/>
+        </p:spPr>
+        <p:txBody>
+          <a:bodyPr wrap="none" rtlCol="0">
+            <a:spAutoFit/>
+          </a:bodyPr>
+          <a:lstStyle/>
+          <a:p>
+            <a:r>
+              <a:rPr lang="en-US" altLang="zh-CN" sz="1400" dirty="0" smtClean="0">
+                <a:latin typeface="新宋体" panose="02010609030101010101" pitchFamily="49" charset="-122"/>
+                <a:ea typeface="新宋体" panose="02010609030101010101" pitchFamily="49" charset="-122"/>
+              </a:rPr>
+              <a:t>extends</a:t>
+            </a:r>
+            <a:endParaRPr lang="zh-CN" altLang="en-US" sz="1400" dirty="0">
+              <a:latin typeface="新宋体" panose="02010609030101010101" pitchFamily="49" charset="-122"/>
+              <a:ea typeface="新宋体" panose="02010609030101010101" pitchFamily="49" charset="-122"/>
+            </a:endParaRPr>
+          </a:p>
+        </p:txBody>
+      </p:sp>
+      <p:sp>
+        <p:nvSpPr>
+          <p:cNvPr id="48" name="文本框 47"/>
+          <p:cNvSpPr txBox="1"/>
+          <p:nvPr/>
+        </p:nvSpPr>
+        <p:spPr>
+          <a:xfrm>
+            <a:off x="7765479" y="3312025"/>
+            <a:ext cx="3236784" cy="523220"/>
+          </a:xfrm>
+          <a:prstGeom prst="rect">
+            <a:avLst/>
+          </a:prstGeom>
+          <a:noFill/>
+        </p:spPr>
+        <p:txBody>
+          <a:bodyPr wrap="none" rtlCol="0">
+            <a:spAutoFit/>
+          </a:bodyPr>
+          <a:lstStyle/>
+          <a:p>
+            <a:r>
+              <a:rPr lang="en-US" altLang="zh-CN" sz="1400" dirty="0" smtClean="0">
+                <a:latin typeface="新宋体" panose="02010609030101010101" pitchFamily="49" charset="-122"/>
+                <a:ea typeface="新宋体" panose="02010609030101010101" pitchFamily="49" charset="-122"/>
+              </a:rPr>
+              <a:t>1.</a:t>
+            </a:r>
+            <a:r>
+              <a:rPr lang="zh-CN" altLang="en-US" sz="1400" dirty="0" smtClean="0">
+                <a:latin typeface="新宋体" panose="02010609030101010101" pitchFamily="49" charset="-122"/>
+                <a:ea typeface="新宋体" panose="02010609030101010101" pitchFamily="49" charset="-122"/>
+              </a:rPr>
+              <a:t>可用定义一些公共的属性；</a:t>
+            </a:r>
+            <a:endParaRPr lang="en-US" altLang="zh-CN" sz="1400" dirty="0" smtClean="0">
+              <a:latin typeface="新宋体" panose="02010609030101010101" pitchFamily="49" charset="-122"/>
+              <a:ea typeface="新宋体" panose="02010609030101010101" pitchFamily="49" charset="-122"/>
+            </a:endParaRPr>
+          </a:p>
+          <a:p>
+            <a:r>
+              <a:rPr lang="en-US" altLang="zh-CN" sz="1400" dirty="0" smtClean="0">
+                <a:latin typeface="新宋体" panose="02010609030101010101" pitchFamily="49" charset="-122"/>
+                <a:ea typeface="新宋体" panose="02010609030101010101" pitchFamily="49" charset="-122"/>
+              </a:rPr>
+              <a:t>2.</a:t>
+            </a:r>
+            <a:r>
+              <a:rPr lang="zh-CN" altLang="en-US" sz="1400" dirty="0" smtClean="0">
+                <a:latin typeface="新宋体" panose="02010609030101010101" pitchFamily="49" charset="-122"/>
+                <a:ea typeface="新宋体" panose="02010609030101010101" pitchFamily="49" charset="-122"/>
+              </a:rPr>
+              <a:t>抽象类可用不覆写接口的全部方法；</a:t>
+            </a:r>
+            <a:endParaRPr lang="zh-CN" altLang="en-US" sz="1400" dirty="0">
+              <a:latin typeface="新宋体" panose="02010609030101010101" pitchFamily="49" charset="-122"/>
+              <a:ea typeface="新宋体" panose="02010609030101010101" pitchFamily="49" charset="-122"/>
+            </a:endParaRPr>
+          </a:p>
+        </p:txBody>
+      </p:sp>
+      <p:sp>
+        <p:nvSpPr>
+          <p:cNvPr id="49" name="文本框 48"/>
+          <p:cNvSpPr txBox="1"/>
+          <p:nvPr/>
+        </p:nvSpPr>
+        <p:spPr>
+          <a:xfrm>
+            <a:off x="3901478" y="3394227"/>
+            <a:ext cx="1620957" cy="523220"/>
+          </a:xfrm>
+          <a:prstGeom prst="rect">
+            <a:avLst/>
+          </a:prstGeom>
+          <a:noFill/>
+        </p:spPr>
+        <p:txBody>
+          <a:bodyPr wrap="none" rtlCol="0">
+            <a:spAutoFit/>
+          </a:bodyPr>
+          <a:lstStyle/>
+          <a:p>
+            <a:r>
+              <a:rPr lang="zh-CN" altLang="en-US" sz="1400" dirty="0" smtClean="0">
+                <a:latin typeface="新宋体" panose="02010609030101010101" pitchFamily="49" charset="-122"/>
+                <a:ea typeface="新宋体" panose="02010609030101010101" pitchFamily="49" charset="-122"/>
+              </a:rPr>
+              <a:t>过渡层</a:t>
+            </a:r>
+            <a:endParaRPr lang="en-US" altLang="zh-CN" sz="1400" dirty="0" smtClean="0">
+              <a:latin typeface="新宋体" panose="02010609030101010101" pitchFamily="49" charset="-122"/>
+              <a:ea typeface="新宋体" panose="02010609030101010101" pitchFamily="49" charset="-122"/>
+            </a:endParaRPr>
+          </a:p>
+          <a:p>
+            <a:r>
+              <a:rPr lang="zh-CN" altLang="en-US" sz="1400" dirty="0">
+                <a:latin typeface="新宋体" panose="02010609030101010101" pitchFamily="49" charset="-122"/>
+                <a:ea typeface="新宋体" panose="02010609030101010101" pitchFamily="49" charset="-122"/>
+              </a:rPr>
+              <a:t>不</a:t>
+            </a:r>
+            <a:r>
+              <a:rPr lang="zh-CN" altLang="en-US" sz="1400" dirty="0" smtClean="0">
+                <a:latin typeface="新宋体" panose="02010609030101010101" pitchFamily="49" charset="-122"/>
+                <a:ea typeface="新宋体" panose="02010609030101010101" pitchFamily="49" charset="-122"/>
+              </a:rPr>
+              <a:t>能够直接实例化</a:t>
+            </a:r>
+            <a:endParaRPr lang="zh-CN" altLang="en-US" sz="1400" dirty="0">
+              <a:latin typeface="新宋体" panose="02010609030101010101" pitchFamily="49" charset="-122"/>
+              <a:ea typeface="新宋体" panose="02010609030101010101" pitchFamily="49" charset="-122"/>
+            </a:endParaRPr>
+          </a:p>
+        </p:txBody>
+      </p:sp>
+      <p:sp>
+        <p:nvSpPr>
+          <p:cNvPr id="50" name="文本框 49"/>
+          <p:cNvSpPr txBox="1"/>
+          <p:nvPr/>
+        </p:nvSpPr>
+        <p:spPr>
+          <a:xfrm>
+            <a:off x="9725896" y="4825435"/>
+            <a:ext cx="2159566" cy="307777"/>
+          </a:xfrm>
+          <a:prstGeom prst="rect">
+            <a:avLst/>
+          </a:prstGeom>
+          <a:noFill/>
+        </p:spPr>
+        <p:txBody>
+          <a:bodyPr wrap="none" rtlCol="0">
+            <a:spAutoFit/>
+          </a:bodyPr>
+          <a:lstStyle/>
+          <a:p>
+            <a:r>
+              <a:rPr lang="zh-CN" altLang="en-US" sz="1400" dirty="0" smtClean="0">
+                <a:latin typeface="新宋体" panose="02010609030101010101" pitchFamily="49" charset="-122"/>
+                <a:ea typeface="新宋体" panose="02010609030101010101" pitchFamily="49" charset="-122"/>
+              </a:rPr>
+              <a:t>必须按照既定的标准实现</a:t>
+            </a:r>
+            <a:endParaRPr lang="zh-CN" altLang="en-US" sz="1400" dirty="0">
+              <a:latin typeface="新宋体" panose="02010609030101010101" pitchFamily="49" charset="-122"/>
+              <a:ea typeface="新宋体" panose="02010609030101010101" pitchFamily="49" charset="-122"/>
+            </a:endParaRPr>
+          </a:p>
+        </p:txBody>
+      </p:sp>
+      <p:sp>
+        <p:nvSpPr>
+          <p:cNvPr id="51" name="文本框 50"/>
+          <p:cNvSpPr txBox="1"/>
+          <p:nvPr/>
+        </p:nvSpPr>
+        <p:spPr>
+          <a:xfrm>
+            <a:off x="9081336" y="5853436"/>
+            <a:ext cx="3147015" cy="307777"/>
+          </a:xfrm>
+          <a:prstGeom prst="rect">
+            <a:avLst/>
+          </a:prstGeom>
+          <a:noFill/>
+        </p:spPr>
+        <p:txBody>
+          <a:bodyPr wrap="none" rtlCol="0">
+            <a:spAutoFit/>
+          </a:bodyPr>
+          <a:lstStyle/>
+          <a:p>
+            <a:r>
+              <a:rPr lang="zh-CN" altLang="en-US" sz="1400" dirty="0" smtClean="0">
+                <a:latin typeface="新宋体" panose="02010609030101010101" pitchFamily="49" charset="-122"/>
+                <a:ea typeface="新宋体" panose="02010609030101010101" pitchFamily="49" charset="-122"/>
+              </a:rPr>
+              <a:t>所有的方法要参考所有父类或父接口</a:t>
+            </a:r>
+            <a:endParaRPr lang="zh-CN" altLang="en-US" sz="1400" dirty="0">
+              <a:latin typeface="新宋体" panose="02010609030101010101" pitchFamily="49" charset="-122"/>
+              <a:ea typeface="新宋体" panose="02010609030101010101" pitchFamily="49" charset="-122"/>
+            </a:endParaRPr>
+          </a:p>
+        </p:txBody>
+      </p:sp>
+    </p:spTree>
+    <p:extLst>
+      <p:ext uri="{BB962C8B-B14F-4D97-AF65-F5344CB8AC3E}">
+        <p14:creationId xmlns:p14="http://schemas.microsoft.com/office/powerpoint/2010/main" val="653184212"/>
       </p:ext>
     </p:extLst>
   </p:cSld>
